--- a/Images/annotated_images.pptx
+++ b/Images/annotated_images.pptx
@@ -105,6 +105,11 @@
       </a:defRPr>
     </a:lvl9pPr>
   </p:defaultTextStyle>
+  <p:extLst>
+    <p:ext uri="{EFAFB233-063F-42B5-8137-9DF3F51BA10A}">
+      <p15:sldGuideLst xmlns:p15="http://schemas.microsoft.com/office/powerpoint/2012/main"/>
+    </p:ext>
+  </p:extLst>
 </p:presentation>
 </file>
 
@@ -3507,7 +3512,7 @@
         </p:nvSpPr>
         <p:spPr>
           <a:xfrm>
-            <a:off x="760688" y="3777465"/>
+            <a:off x="760688" y="3937959"/>
             <a:ext cx="863030" cy="472611"/>
           </a:xfrm>
           <a:prstGeom prst="roundRect">
@@ -3553,7 +3558,7 @@
         </p:nvSpPr>
         <p:spPr>
           <a:xfrm>
-            <a:off x="680207" y="3708970"/>
+            <a:off x="680207" y="3869464"/>
             <a:ext cx="863030" cy="472611"/>
           </a:xfrm>
           <a:prstGeom prst="roundRect">
@@ -3599,7 +3604,7 @@
         </p:nvSpPr>
         <p:spPr>
           <a:xfrm>
-            <a:off x="599726" y="3640475"/>
+            <a:off x="599726" y="3800969"/>
             <a:ext cx="863030" cy="472611"/>
           </a:xfrm>
           <a:prstGeom prst="roundRect">
@@ -3648,7 +3653,7 @@
         </p:nvSpPr>
         <p:spPr>
           <a:xfrm>
-            <a:off x="4046305" y="2354492"/>
+            <a:off x="4200969" y="2348352"/>
             <a:ext cx="1347628" cy="726043"/>
           </a:xfrm>
           <a:prstGeom prst="roundRect">
@@ -3697,7 +3702,7 @@
         </p:nvSpPr>
         <p:spPr>
           <a:xfrm>
-            <a:off x="4046305" y="3510332"/>
+            <a:off x="4200969" y="3664686"/>
             <a:ext cx="1347628" cy="726043"/>
           </a:xfrm>
           <a:prstGeom prst="roundRect">
@@ -3746,7 +3751,7 @@
         </p:nvSpPr>
         <p:spPr>
           <a:xfrm>
-            <a:off x="2102777" y="3513758"/>
+            <a:off x="2102777" y="3674252"/>
             <a:ext cx="1347628" cy="726043"/>
           </a:xfrm>
           <a:prstGeom prst="roundRect">
@@ -3795,7 +3800,7 @@
         </p:nvSpPr>
         <p:spPr>
           <a:xfrm>
-            <a:off x="810347" y="4669604"/>
+            <a:off x="810347" y="4830098"/>
             <a:ext cx="863030" cy="472611"/>
           </a:xfrm>
           <a:prstGeom prst="roundRect">
@@ -3841,7 +3846,7 @@
         </p:nvSpPr>
         <p:spPr>
           <a:xfrm>
-            <a:off x="729866" y="4601109"/>
+            <a:off x="729866" y="4761603"/>
             <a:ext cx="863030" cy="472611"/>
           </a:xfrm>
           <a:prstGeom prst="roundRect">
@@ -3887,7 +3892,7 @@
         </p:nvSpPr>
         <p:spPr>
           <a:xfrm>
-            <a:off x="649385" y="4532614"/>
+            <a:off x="649385" y="4693108"/>
             <a:ext cx="863030" cy="472611"/>
           </a:xfrm>
           <a:prstGeom prst="roundRect">
@@ -3936,7 +3941,7 @@
         </p:nvSpPr>
         <p:spPr>
           <a:xfrm>
-            <a:off x="6325456" y="3506907"/>
+            <a:off x="6325456" y="3667401"/>
             <a:ext cx="1347628" cy="726043"/>
           </a:xfrm>
           <a:prstGeom prst="roundRect">
@@ -4037,7 +4042,7 @@
         </p:nvSpPr>
         <p:spPr>
           <a:xfrm>
-            <a:off x="8254666" y="4250910"/>
+            <a:off x="8254666" y="4411404"/>
             <a:ext cx="1347628" cy="726043"/>
           </a:xfrm>
           <a:prstGeom prst="roundRect">
@@ -4089,7 +4094,7 @@
         </p:nvSpPr>
         <p:spPr>
           <a:xfrm>
-            <a:off x="575258" y="2061830"/>
+            <a:off x="1738419" y="1986790"/>
             <a:ext cx="943467" cy="472611"/>
           </a:xfrm>
           <a:prstGeom prst="roundRect">
@@ -4196,7 +4201,7 @@
         </p:nvCxnSpPr>
         <p:spPr>
           <a:xfrm flipV="1">
-            <a:off x="1462756" y="3876780"/>
+            <a:off x="1462756" y="4037274"/>
             <a:ext cx="640021" cy="1"/>
           </a:xfrm>
           <a:prstGeom prst="straightConnector1">
@@ -4241,8 +4246,8 @@
         </p:nvCxnSpPr>
         <p:spPr>
           <a:xfrm flipV="1">
-            <a:off x="3450405" y="3873354"/>
-            <a:ext cx="595900" cy="3426"/>
+            <a:off x="3450405" y="4027708"/>
+            <a:ext cx="750564" cy="9566"/>
           </a:xfrm>
           <a:prstGeom prst="straightConnector1">
             <a:avLst/>
@@ -4286,8 +4291,8 @@
         </p:nvCxnSpPr>
         <p:spPr>
           <a:xfrm>
-            <a:off x="5393933" y="2717514"/>
-            <a:ext cx="931523" cy="1152415"/>
+            <a:off x="5548597" y="2711374"/>
+            <a:ext cx="776859" cy="1319049"/>
           </a:xfrm>
           <a:prstGeom prst="bentConnector3">
             <a:avLst/>
@@ -4330,9 +4335,9 @@
           <p:nvPr/>
         </p:nvCxnSpPr>
         <p:spPr>
-          <a:xfrm flipV="1">
-            <a:off x="5393933" y="3869929"/>
-            <a:ext cx="931523" cy="3425"/>
+          <a:xfrm>
+            <a:off x="5548597" y="4027708"/>
+            <a:ext cx="776859" cy="2715"/>
           </a:xfrm>
           <a:prstGeom prst="straightConnector1">
             <a:avLst/>
@@ -4377,7 +4382,7 @@
         </p:nvCxnSpPr>
         <p:spPr>
           <a:xfrm flipV="1">
-            <a:off x="1512415" y="3876780"/>
+            <a:off x="1512415" y="4037274"/>
             <a:ext cx="590362" cy="892140"/>
           </a:xfrm>
           <a:prstGeom prst="bentConnector3">
@@ -4419,7 +4424,7 @@
         </p:nvSpPr>
         <p:spPr>
           <a:xfrm>
-            <a:off x="590506" y="5215257"/>
+            <a:off x="590506" y="5375751"/>
             <a:ext cx="1192260" cy="646331"/>
           </a:xfrm>
           <a:prstGeom prst="rect">
@@ -4455,7 +4460,7 @@
         </p:nvSpPr>
         <p:spPr>
           <a:xfrm>
-            <a:off x="4123989" y="5427822"/>
+            <a:off x="4123989" y="5588316"/>
             <a:ext cx="1192260" cy="461665"/>
           </a:xfrm>
           <a:prstGeom prst="rect">
@@ -4491,7 +4496,7 @@
         </p:nvSpPr>
         <p:spPr>
           <a:xfrm>
-            <a:off x="5393933" y="5606902"/>
+            <a:off x="5393933" y="5767396"/>
             <a:ext cx="2084300" cy="141016"/>
           </a:xfrm>
           <a:prstGeom prst="rightArrow">
@@ -4543,7 +4548,7 @@
         </p:nvSpPr>
         <p:spPr>
           <a:xfrm flipH="1">
-            <a:off x="2053898" y="5606902"/>
+            <a:off x="2053898" y="5767396"/>
             <a:ext cx="2084300" cy="141016"/>
           </a:xfrm>
           <a:prstGeom prst="rightArrow">
@@ -4595,7 +4600,7 @@
         </p:nvSpPr>
         <p:spPr>
           <a:xfrm>
-            <a:off x="2160294" y="4361632"/>
+            <a:off x="2160294" y="4522126"/>
             <a:ext cx="1192260" cy="461665"/>
           </a:xfrm>
           <a:prstGeom prst="rect">
@@ -4631,7 +4636,7 @@
         </p:nvSpPr>
         <p:spPr>
           <a:xfrm>
-            <a:off x="4046305" y="4365138"/>
+            <a:off x="4200969" y="4519492"/>
             <a:ext cx="1192260" cy="461665"/>
           </a:xfrm>
           <a:prstGeom prst="rect">
@@ -4667,7 +4672,7 @@
         </p:nvSpPr>
         <p:spPr>
           <a:xfrm>
-            <a:off x="4046306" y="2080919"/>
+            <a:off x="4200970" y="2074779"/>
             <a:ext cx="1347627" cy="276999"/>
           </a:xfrm>
           <a:prstGeom prst="rect">
@@ -4703,7 +4708,7 @@
         </p:nvSpPr>
         <p:spPr>
           <a:xfrm>
-            <a:off x="6403140" y="4361632"/>
+            <a:off x="6403140" y="4522126"/>
             <a:ext cx="1192260" cy="461665"/>
           </a:xfrm>
           <a:prstGeom prst="rect">
@@ -4781,7 +4786,7 @@
         </p:nvSpPr>
         <p:spPr>
           <a:xfrm>
-            <a:off x="3216515" y="3059676"/>
+            <a:off x="3268744" y="3246565"/>
             <a:ext cx="1092315" cy="461665"/>
           </a:xfrm>
           <a:prstGeom prst="rect">
@@ -4823,7 +4828,7 @@
         </p:nvSpPr>
         <p:spPr>
           <a:xfrm>
-            <a:off x="5549842" y="3087348"/>
+            <a:off x="5632034" y="3087348"/>
             <a:ext cx="1092315" cy="307777"/>
           </a:xfrm>
           <a:prstGeom prst="rect">
@@ -4865,7 +4870,7 @@
         </p:nvSpPr>
         <p:spPr>
           <a:xfrm>
-            <a:off x="7572140" y="3722348"/>
+            <a:off x="7572140" y="3882842"/>
             <a:ext cx="1092315" cy="307777"/>
           </a:xfrm>
           <a:prstGeom prst="rect">
@@ -4993,7 +4998,7 @@
         </p:nvSpPr>
         <p:spPr>
           <a:xfrm>
-            <a:off x="393664" y="3550672"/>
+            <a:off x="393664" y="3711166"/>
             <a:ext cx="1536684" cy="2310916"/>
           </a:xfrm>
           <a:prstGeom prst="rect">
@@ -5029,6 +5034,201 @@
           </a:p>
         </p:txBody>
       </p:sp>
+      <p:sp>
+        <p:nvSpPr>
+          <p:cNvPr id="2" name="Rounded Rectangle 1">
+            <a:extLst>
+              <a:ext uri="{FF2B5EF4-FFF2-40B4-BE49-F238E27FC236}">
+                <a16:creationId xmlns:a16="http://schemas.microsoft.com/office/drawing/2014/main" id="{F0AB93C4-D565-0164-718C-FB4FE199A8F3}"/>
+              </a:ext>
+            </a:extLst>
+          </p:cNvPr>
+          <p:cNvSpPr/>
+          <p:nvPr/>
+        </p:nvSpPr>
+        <p:spPr>
+          <a:xfrm>
+            <a:off x="539663" y="1985503"/>
+            <a:ext cx="943467" cy="472611"/>
+          </a:xfrm>
+          <a:prstGeom prst="roundRect">
+            <a:avLst/>
+          </a:prstGeom>
+          <a:solidFill>
+            <a:schemeClr val="accent6"/>
+          </a:solidFill>
+        </p:spPr>
+        <p:style>
+          <a:lnRef idx="2">
+            <a:schemeClr val="accent1">
+              <a:shade val="15000"/>
+            </a:schemeClr>
+          </a:lnRef>
+          <a:fillRef idx="1">
+            <a:schemeClr val="accent1"/>
+          </a:fillRef>
+          <a:effectRef idx="0">
+            <a:schemeClr val="accent1"/>
+          </a:effectRef>
+          <a:fontRef idx="minor">
+            <a:schemeClr val="lt1"/>
+          </a:fontRef>
+        </p:style>
+        <p:txBody>
+          <a:bodyPr rtlCol="0" anchor="ctr"/>
+          <a:lstStyle/>
+          <a:p>
+            <a:pPr algn="ctr"/>
+            <a:r>
+              <a:rPr lang="en-US" sz="1000" dirty="0"/>
+              <a:t>Test Plan</a:t>
+            </a:r>
+          </a:p>
+        </p:txBody>
+      </p:sp>
+      <p:sp>
+        <p:nvSpPr>
+          <p:cNvPr id="3" name="Rounded Rectangle 2">
+            <a:extLst>
+              <a:ext uri="{FF2B5EF4-FFF2-40B4-BE49-F238E27FC236}">
+                <a16:creationId xmlns:a16="http://schemas.microsoft.com/office/drawing/2014/main" id="{6BB577C4-C933-6586-63A9-587418B64F3E}"/>
+              </a:ext>
+            </a:extLst>
+          </p:cNvPr>
+          <p:cNvSpPr/>
+          <p:nvPr/>
+        </p:nvSpPr>
+        <p:spPr>
+          <a:xfrm>
+            <a:off x="2829136" y="2357341"/>
+            <a:ext cx="985766" cy="730007"/>
+          </a:xfrm>
+          <a:prstGeom prst="roundRect">
+            <a:avLst/>
+          </a:prstGeom>
+          <a:solidFill>
+            <a:schemeClr val="accent1">
+              <a:lumMod val="60000"/>
+              <a:lumOff val="40000"/>
+            </a:schemeClr>
+          </a:solidFill>
+        </p:spPr>
+        <p:style>
+          <a:lnRef idx="2">
+            <a:schemeClr val="accent1">
+              <a:shade val="15000"/>
+            </a:schemeClr>
+          </a:lnRef>
+          <a:fillRef idx="1">
+            <a:schemeClr val="accent1"/>
+          </a:fillRef>
+          <a:effectRef idx="0">
+            <a:schemeClr val="accent1"/>
+          </a:effectRef>
+          <a:fontRef idx="minor">
+            <a:schemeClr val="lt1"/>
+          </a:fontRef>
+        </p:style>
+        <p:txBody>
+          <a:bodyPr rtlCol="0" anchor="ctr"/>
+          <a:lstStyle/>
+          <a:p>
+            <a:pPr algn="ctr"/>
+            <a:r>
+              <a:rPr lang="en-US" sz="1400" dirty="0"/>
+              <a:t>Raw run data</a:t>
+            </a:r>
+          </a:p>
+        </p:txBody>
+      </p:sp>
+      <p:sp>
+        <p:nvSpPr>
+          <p:cNvPr id="19" name="TextBox 18">
+            <a:extLst>
+              <a:ext uri="{FF2B5EF4-FFF2-40B4-BE49-F238E27FC236}">
+                <a16:creationId xmlns:a16="http://schemas.microsoft.com/office/drawing/2014/main" id="{6EF459B7-68DD-8709-4E7F-28B991540DC3}"/>
+              </a:ext>
+            </a:extLst>
+          </p:cNvPr>
+          <p:cNvSpPr txBox="1"/>
+          <p:nvPr/>
+        </p:nvSpPr>
+        <p:spPr>
+          <a:xfrm>
+            <a:off x="3202197" y="1863600"/>
+            <a:ext cx="1092315" cy="461665"/>
+          </a:xfrm>
+          <a:prstGeom prst="rect">
+            <a:avLst/>
+          </a:prstGeom>
+          <a:noFill/>
+        </p:spPr>
+        <p:txBody>
+          <a:bodyPr wrap="square" rtlCol="0">
+            <a:spAutoFit/>
+          </a:bodyPr>
+          <a:lstStyle/>
+          <a:p>
+            <a:pPr algn="ctr"/>
+            <a:r>
+              <a:rPr lang="en-US" sz="1200" dirty="0">
+                <a:solidFill>
+                  <a:schemeClr val="accent1">
+                    <a:lumMod val="75000"/>
+                  </a:schemeClr>
+                </a:solidFill>
+              </a:rPr>
+              <a:t>Calculate parameters</a:t>
+            </a:r>
+          </a:p>
+        </p:txBody>
+      </p:sp>
+      <p:cxnSp>
+        <p:nvCxnSpPr>
+          <p:cNvPr id="21" name="Straight Arrow Connector 20">
+            <a:extLst>
+              <a:ext uri="{FF2B5EF4-FFF2-40B4-BE49-F238E27FC236}">
+                <a16:creationId xmlns:a16="http://schemas.microsoft.com/office/drawing/2014/main" id="{8C6C3C63-2462-7889-6664-70B84EF499FE}"/>
+              </a:ext>
+            </a:extLst>
+          </p:cNvPr>
+          <p:cNvCxnSpPr>
+            <a:cxnSpLocks/>
+            <a:stCxn id="3" idx="3"/>
+            <a:endCxn id="8" idx="1"/>
+          </p:cNvCxnSpPr>
+          <p:nvPr/>
+        </p:nvCxnSpPr>
+        <p:spPr>
+          <a:xfrm flipV="1">
+            <a:off x="3814902" y="2711374"/>
+            <a:ext cx="386067" cy="10971"/>
+          </a:xfrm>
+          <a:prstGeom prst="straightConnector1">
+            <a:avLst/>
+          </a:prstGeom>
+          <a:ln w="12700">
+            <a:solidFill>
+              <a:schemeClr val="tx1"/>
+            </a:solidFill>
+            <a:tailEnd type="triangle"/>
+          </a:ln>
+        </p:spPr>
+        <p:style>
+          <a:lnRef idx="1">
+            <a:schemeClr val="accent1"/>
+          </a:lnRef>
+          <a:fillRef idx="0">
+            <a:schemeClr val="accent1"/>
+          </a:fillRef>
+          <a:effectRef idx="0">
+            <a:schemeClr val="accent1"/>
+          </a:effectRef>
+          <a:fontRef idx="minor">
+            <a:schemeClr val="tx1"/>
+          </a:fontRef>
+        </p:style>
+      </p:cxnSp>
     </p:spTree>
     <p:extLst>
       <p:ext uri="{BB962C8B-B14F-4D97-AF65-F5344CB8AC3E}">

--- a/Images/annotated_images.pptx
+++ b/Images/annotated_images.pptx
@@ -7,6 +7,7 @@
   <p:sldIdLst>
     <p:sldId id="256" r:id="rId2"/>
     <p:sldId id="257" r:id="rId3"/>
+    <p:sldId id="258" r:id="rId4"/>
   </p:sldIdLst>
   <p:sldSz cx="12192000" cy="6858000"/>
   <p:notesSz cx="6858000" cy="9144000"/>
@@ -260,7 +261,7 @@
           <a:p>
             <a:fld id="{94AABED6-7D93-C14E-8706-1488B7BD9B1F}" type="datetimeFigureOut">
               <a:rPr lang="en-US" smtClean="0"/>
-              <a:t>10/9/23</a:t>
+              <a:t>10/10/23</a:t>
             </a:fld>
             <a:endParaRPr lang="en-US"/>
           </a:p>
@@ -458,7 +459,7 @@
           <a:p>
             <a:fld id="{94AABED6-7D93-C14E-8706-1488B7BD9B1F}" type="datetimeFigureOut">
               <a:rPr lang="en-US" smtClean="0"/>
-              <a:t>10/9/23</a:t>
+              <a:t>10/10/23</a:t>
             </a:fld>
             <a:endParaRPr lang="en-US"/>
           </a:p>
@@ -666,7 +667,7 @@
           <a:p>
             <a:fld id="{94AABED6-7D93-C14E-8706-1488B7BD9B1F}" type="datetimeFigureOut">
               <a:rPr lang="en-US" smtClean="0"/>
-              <a:t>10/9/23</a:t>
+              <a:t>10/10/23</a:t>
             </a:fld>
             <a:endParaRPr lang="en-US"/>
           </a:p>
@@ -864,7 +865,7 @@
           <a:p>
             <a:fld id="{94AABED6-7D93-C14E-8706-1488B7BD9B1F}" type="datetimeFigureOut">
               <a:rPr lang="en-US" smtClean="0"/>
-              <a:t>10/9/23</a:t>
+              <a:t>10/10/23</a:t>
             </a:fld>
             <a:endParaRPr lang="en-US"/>
           </a:p>
@@ -1139,7 +1140,7 @@
           <a:p>
             <a:fld id="{94AABED6-7D93-C14E-8706-1488B7BD9B1F}" type="datetimeFigureOut">
               <a:rPr lang="en-US" smtClean="0"/>
-              <a:t>10/9/23</a:t>
+              <a:t>10/10/23</a:t>
             </a:fld>
             <a:endParaRPr lang="en-US"/>
           </a:p>
@@ -1404,7 +1405,7 @@
           <a:p>
             <a:fld id="{94AABED6-7D93-C14E-8706-1488B7BD9B1F}" type="datetimeFigureOut">
               <a:rPr lang="en-US" smtClean="0"/>
-              <a:t>10/9/23</a:t>
+              <a:t>10/10/23</a:t>
             </a:fld>
             <a:endParaRPr lang="en-US"/>
           </a:p>
@@ -1816,7 +1817,7 @@
           <a:p>
             <a:fld id="{94AABED6-7D93-C14E-8706-1488B7BD9B1F}" type="datetimeFigureOut">
               <a:rPr lang="en-US" smtClean="0"/>
-              <a:t>10/9/23</a:t>
+              <a:t>10/10/23</a:t>
             </a:fld>
             <a:endParaRPr lang="en-US"/>
           </a:p>
@@ -1957,7 +1958,7 @@
           <a:p>
             <a:fld id="{94AABED6-7D93-C14E-8706-1488B7BD9B1F}" type="datetimeFigureOut">
               <a:rPr lang="en-US" smtClean="0"/>
-              <a:t>10/9/23</a:t>
+              <a:t>10/10/23</a:t>
             </a:fld>
             <a:endParaRPr lang="en-US"/>
           </a:p>
@@ -2070,7 +2071,7 @@
           <a:p>
             <a:fld id="{94AABED6-7D93-C14E-8706-1488B7BD9B1F}" type="datetimeFigureOut">
               <a:rPr lang="en-US" smtClean="0"/>
-              <a:t>10/9/23</a:t>
+              <a:t>10/10/23</a:t>
             </a:fld>
             <a:endParaRPr lang="en-US"/>
           </a:p>
@@ -2381,7 +2382,7 @@
           <a:p>
             <a:fld id="{94AABED6-7D93-C14E-8706-1488B7BD9B1F}" type="datetimeFigureOut">
               <a:rPr lang="en-US" smtClean="0"/>
-              <a:t>10/9/23</a:t>
+              <a:t>10/10/23</a:t>
             </a:fld>
             <a:endParaRPr lang="en-US"/>
           </a:p>
@@ -2669,7 +2670,7 @@
           <a:p>
             <a:fld id="{94AABED6-7D93-C14E-8706-1488B7BD9B1F}" type="datetimeFigureOut">
               <a:rPr lang="en-US" smtClean="0"/>
-              <a:t>10/9/23</a:t>
+              <a:t>10/10/23</a:t>
             </a:fld>
             <a:endParaRPr lang="en-US"/>
           </a:p>
@@ -2910,7 +2911,7 @@
           <a:p>
             <a:fld id="{94AABED6-7D93-C14E-8706-1488B7BD9B1F}" type="datetimeFigureOut">
               <a:rPr lang="en-US" smtClean="0"/>
-              <a:t>10/9/23</a:t>
+              <a:t>10/10/23</a:t>
             </a:fld>
             <a:endParaRPr lang="en-US"/>
           </a:p>
@@ -3433,7 +3434,7 @@
                   <a:srgbClr val="FF0000"/>
                 </a:solidFill>
               </a:rPr>
-              <a:t>code’s import statement will error if package is not installed in Anaconda environment etc.</a:t>
+              <a:t>code’s import statement will error if package is not installed (in Anaconda environment etc.)</a:t>
             </a:r>
           </a:p>
         </p:txBody>
@@ -5233,6 +5234,594 @@
     <p:extLst>
       <p:ext uri="{BB962C8B-B14F-4D97-AF65-F5344CB8AC3E}">
         <p14:creationId xmlns:p14="http://schemas.microsoft.com/office/powerpoint/2010/main" val="2431055991"/>
+      </p:ext>
+    </p:extLst>
+  </p:cSld>
+  <p:clrMapOvr>
+    <a:masterClrMapping/>
+  </p:clrMapOvr>
+</p:sld>
+</file>
+
+<file path=ppt/slides/slide3.xml><?xml version="1.0" encoding="utf-8"?>
+<p:sld xmlns:a="http://schemas.openxmlformats.org/drawingml/2006/main" xmlns:r="http://schemas.openxmlformats.org/officeDocument/2006/relationships" xmlns:p="http://schemas.openxmlformats.org/presentationml/2006/main">
+  <p:cSld>
+    <p:spTree>
+      <p:nvGrpSpPr>
+        <p:cNvPr id="1" name=""/>
+        <p:cNvGrpSpPr/>
+        <p:nvPr/>
+      </p:nvGrpSpPr>
+      <p:grpSpPr>
+        <a:xfrm>
+          <a:off x="0" y="0"/>
+          <a:ext cx="0" cy="0"/>
+          <a:chOff x="0" y="0"/>
+          <a:chExt cx="0" cy="0"/>
+        </a:xfrm>
+      </p:grpSpPr>
+      <p:pic>
+        <p:nvPicPr>
+          <p:cNvPr id="5" name="Picture 4" descr="A screenshot of a computer&#10;&#10;Description automatically generated">
+            <a:extLst>
+              <a:ext uri="{FF2B5EF4-FFF2-40B4-BE49-F238E27FC236}">
+                <a16:creationId xmlns:a16="http://schemas.microsoft.com/office/drawing/2014/main" id="{5BE375E3-1402-DF4C-BCF2-133B48C83D57}"/>
+              </a:ext>
+            </a:extLst>
+          </p:cNvPr>
+          <p:cNvPicPr>
+            <a:picLocks noChangeAspect="1"/>
+          </p:cNvPicPr>
+          <p:nvPr/>
+        </p:nvPicPr>
+        <p:blipFill>
+          <a:blip r:embed="rId2"/>
+          <a:stretch>
+            <a:fillRect/>
+          </a:stretch>
+        </p:blipFill>
+        <p:spPr>
+          <a:xfrm>
+            <a:off x="1885879" y="646059"/>
+            <a:ext cx="5892800" cy="838200"/>
+          </a:xfrm>
+          <a:prstGeom prst="rect">
+            <a:avLst/>
+          </a:prstGeom>
+        </p:spPr>
+      </p:pic>
+      <p:pic>
+        <p:nvPicPr>
+          <p:cNvPr id="7" name="Picture 6" descr="A blue and black text&#10;&#10;Description automatically generated">
+            <a:extLst>
+              <a:ext uri="{FF2B5EF4-FFF2-40B4-BE49-F238E27FC236}">
+                <a16:creationId xmlns:a16="http://schemas.microsoft.com/office/drawing/2014/main" id="{6A442A39-7D34-2842-9677-EF774D538F1A}"/>
+              </a:ext>
+            </a:extLst>
+          </p:cNvPr>
+          <p:cNvPicPr>
+            <a:picLocks noChangeAspect="1"/>
+          </p:cNvPicPr>
+          <p:nvPr/>
+        </p:nvPicPr>
+        <p:blipFill>
+          <a:blip r:embed="rId3"/>
+          <a:stretch>
+            <a:fillRect/>
+          </a:stretch>
+        </p:blipFill>
+        <p:spPr>
+          <a:xfrm>
+            <a:off x="3970961" y="3984602"/>
+            <a:ext cx="2781300" cy="622300"/>
+          </a:xfrm>
+          <a:prstGeom prst="rect">
+            <a:avLst/>
+          </a:prstGeom>
+        </p:spPr>
+      </p:pic>
+      <p:cxnSp>
+        <p:nvCxnSpPr>
+          <p:cNvPr id="8" name="Straight Arrow Connector 7">
+            <a:extLst>
+              <a:ext uri="{FF2B5EF4-FFF2-40B4-BE49-F238E27FC236}">
+                <a16:creationId xmlns:a16="http://schemas.microsoft.com/office/drawing/2014/main" id="{0A4B3EFA-8D2F-2237-CA67-686A7E61F6BC}"/>
+              </a:ext>
+            </a:extLst>
+          </p:cNvPr>
+          <p:cNvCxnSpPr>
+            <a:cxnSpLocks/>
+          </p:cNvCxnSpPr>
+          <p:nvPr/>
+        </p:nvCxnSpPr>
+        <p:spPr>
+          <a:xfrm>
+            <a:off x="3472453" y="503434"/>
+            <a:ext cx="0" cy="656387"/>
+          </a:xfrm>
+          <a:prstGeom prst="straightConnector1">
+            <a:avLst/>
+          </a:prstGeom>
+          <a:ln w="19050">
+            <a:solidFill>
+              <a:srgbClr val="FF0000"/>
+            </a:solidFill>
+            <a:tailEnd type="triangle"/>
+          </a:ln>
+        </p:spPr>
+        <p:style>
+          <a:lnRef idx="1">
+            <a:schemeClr val="accent1"/>
+          </a:lnRef>
+          <a:fillRef idx="0">
+            <a:schemeClr val="accent1"/>
+          </a:fillRef>
+          <a:effectRef idx="0">
+            <a:schemeClr val="accent1"/>
+          </a:effectRef>
+          <a:fontRef idx="minor">
+            <a:schemeClr val="tx1"/>
+          </a:fontRef>
+        </p:style>
+      </p:cxnSp>
+      <p:cxnSp>
+        <p:nvCxnSpPr>
+          <p:cNvPr id="10" name="Straight Arrow Connector 9">
+            <a:extLst>
+              <a:ext uri="{FF2B5EF4-FFF2-40B4-BE49-F238E27FC236}">
+                <a16:creationId xmlns:a16="http://schemas.microsoft.com/office/drawing/2014/main" id="{5E7AE617-FCB8-7454-10B9-FC6B258B4F96}"/>
+              </a:ext>
+            </a:extLst>
+          </p:cNvPr>
+          <p:cNvCxnSpPr>
+            <a:cxnSpLocks/>
+          </p:cNvCxnSpPr>
+          <p:nvPr/>
+        </p:nvCxnSpPr>
+        <p:spPr>
+          <a:xfrm flipV="1">
+            <a:off x="3544371" y="1484259"/>
+            <a:ext cx="0" cy="516579"/>
+          </a:xfrm>
+          <a:prstGeom prst="straightConnector1">
+            <a:avLst/>
+          </a:prstGeom>
+          <a:ln w="19050">
+            <a:solidFill>
+              <a:srgbClr val="FF0000"/>
+            </a:solidFill>
+            <a:tailEnd type="triangle"/>
+          </a:ln>
+        </p:spPr>
+        <p:style>
+          <a:lnRef idx="1">
+            <a:schemeClr val="accent1"/>
+          </a:lnRef>
+          <a:fillRef idx="0">
+            <a:schemeClr val="accent1"/>
+          </a:fillRef>
+          <a:effectRef idx="0">
+            <a:schemeClr val="accent1"/>
+          </a:effectRef>
+          <a:fontRef idx="minor">
+            <a:schemeClr val="tx1"/>
+          </a:fontRef>
+        </p:style>
+      </p:cxnSp>
+      <p:cxnSp>
+        <p:nvCxnSpPr>
+          <p:cNvPr id="12" name="Straight Arrow Connector 11">
+            <a:extLst>
+              <a:ext uri="{FF2B5EF4-FFF2-40B4-BE49-F238E27FC236}">
+                <a16:creationId xmlns:a16="http://schemas.microsoft.com/office/drawing/2014/main" id="{6F1BBC97-7C5A-EA80-F636-0CF4665774B0}"/>
+              </a:ext>
+            </a:extLst>
+          </p:cNvPr>
+          <p:cNvCxnSpPr>
+            <a:cxnSpLocks/>
+          </p:cNvCxnSpPr>
+          <p:nvPr/>
+        </p:nvCxnSpPr>
+        <p:spPr>
+          <a:xfrm flipV="1">
+            <a:off x="7056421" y="1484259"/>
+            <a:ext cx="0" cy="516579"/>
+          </a:xfrm>
+          <a:prstGeom prst="straightConnector1">
+            <a:avLst/>
+          </a:prstGeom>
+          <a:ln w="19050">
+            <a:solidFill>
+              <a:srgbClr val="FF0000"/>
+            </a:solidFill>
+            <a:tailEnd type="triangle"/>
+          </a:ln>
+        </p:spPr>
+        <p:style>
+          <a:lnRef idx="1">
+            <a:schemeClr val="accent1"/>
+          </a:lnRef>
+          <a:fillRef idx="0">
+            <a:schemeClr val="accent1"/>
+          </a:fillRef>
+          <a:effectRef idx="0">
+            <a:schemeClr val="accent1"/>
+          </a:effectRef>
+          <a:fontRef idx="minor">
+            <a:schemeClr val="tx1"/>
+          </a:fontRef>
+        </p:style>
+      </p:cxnSp>
+      <p:cxnSp>
+        <p:nvCxnSpPr>
+          <p:cNvPr id="13" name="Straight Arrow Connector 12">
+            <a:extLst>
+              <a:ext uri="{FF2B5EF4-FFF2-40B4-BE49-F238E27FC236}">
+                <a16:creationId xmlns:a16="http://schemas.microsoft.com/office/drawing/2014/main" id="{2EB277A1-7E0C-2A5A-4EA0-00A2567E1F40}"/>
+              </a:ext>
+            </a:extLst>
+          </p:cNvPr>
+          <p:cNvCxnSpPr>
+            <a:cxnSpLocks/>
+          </p:cNvCxnSpPr>
+          <p:nvPr/>
+        </p:nvCxnSpPr>
+        <p:spPr>
+          <a:xfrm flipV="1">
+            <a:off x="6830390" y="1484259"/>
+            <a:ext cx="0" cy="516579"/>
+          </a:xfrm>
+          <a:prstGeom prst="straightConnector1">
+            <a:avLst/>
+          </a:prstGeom>
+          <a:ln w="19050">
+            <a:solidFill>
+              <a:srgbClr val="FF0000"/>
+            </a:solidFill>
+            <a:tailEnd type="triangle"/>
+          </a:ln>
+        </p:spPr>
+        <p:style>
+          <a:lnRef idx="1">
+            <a:schemeClr val="accent1"/>
+          </a:lnRef>
+          <a:fillRef idx="0">
+            <a:schemeClr val="accent1"/>
+          </a:fillRef>
+          <a:effectRef idx="0">
+            <a:schemeClr val="accent1"/>
+          </a:effectRef>
+          <a:fontRef idx="minor">
+            <a:schemeClr val="tx1"/>
+          </a:fontRef>
+        </p:style>
+      </p:cxnSp>
+      <p:sp>
+        <p:nvSpPr>
+          <p:cNvPr id="14" name="TextBox 13">
+            <a:extLst>
+              <a:ext uri="{FF2B5EF4-FFF2-40B4-BE49-F238E27FC236}">
+                <a16:creationId xmlns:a16="http://schemas.microsoft.com/office/drawing/2014/main" id="{5FBEB108-E556-7DC1-270F-8710931B6D7E}"/>
+              </a:ext>
+            </a:extLst>
+          </p:cNvPr>
+          <p:cNvSpPr txBox="1"/>
+          <p:nvPr/>
+        </p:nvSpPr>
+        <p:spPr>
+          <a:xfrm>
+            <a:off x="2908025" y="178996"/>
+            <a:ext cx="4148396" cy="369332"/>
+          </a:xfrm>
+          <a:prstGeom prst="rect">
+            <a:avLst/>
+          </a:prstGeom>
+          <a:noFill/>
+        </p:spPr>
+        <p:txBody>
+          <a:bodyPr wrap="square" rtlCol="0">
+            <a:spAutoFit/>
+          </a:bodyPr>
+          <a:lstStyle/>
+          <a:p>
+            <a:r>
+              <a:rPr lang="en-US" dirty="0">
+                <a:solidFill>
+                  <a:srgbClr val="FF0000"/>
+                </a:solidFill>
+              </a:rPr>
+              <a:t>one or more leading spaces</a:t>
+            </a:r>
+          </a:p>
+        </p:txBody>
+      </p:sp>
+      <p:sp>
+        <p:nvSpPr>
+          <p:cNvPr id="15" name="TextBox 14">
+            <a:extLst>
+              <a:ext uri="{FF2B5EF4-FFF2-40B4-BE49-F238E27FC236}">
+                <a16:creationId xmlns:a16="http://schemas.microsoft.com/office/drawing/2014/main" id="{EB86CFF3-54F6-3A51-6227-2EBD81E7DE3C}"/>
+              </a:ext>
+            </a:extLst>
+          </p:cNvPr>
+          <p:cNvSpPr txBox="1"/>
+          <p:nvPr/>
+        </p:nvSpPr>
+        <p:spPr>
+          <a:xfrm>
+            <a:off x="3287413" y="1953127"/>
+            <a:ext cx="4148396" cy="369332"/>
+          </a:xfrm>
+          <a:prstGeom prst="rect">
+            <a:avLst/>
+          </a:prstGeom>
+          <a:noFill/>
+        </p:spPr>
+        <p:txBody>
+          <a:bodyPr wrap="square" rtlCol="0">
+            <a:spAutoFit/>
+          </a:bodyPr>
+          <a:lstStyle/>
+          <a:p>
+            <a:r>
+              <a:rPr lang="en-US" dirty="0">
+                <a:solidFill>
+                  <a:srgbClr val="FF0000"/>
+                </a:solidFill>
+              </a:rPr>
+              <a:t>unneeded quotation marks</a:t>
+            </a:r>
+          </a:p>
+        </p:txBody>
+      </p:sp>
+      <p:sp>
+        <p:nvSpPr>
+          <p:cNvPr id="16" name="TextBox 15">
+            <a:extLst>
+              <a:ext uri="{FF2B5EF4-FFF2-40B4-BE49-F238E27FC236}">
+                <a16:creationId xmlns:a16="http://schemas.microsoft.com/office/drawing/2014/main" id="{9301B9CD-E6D3-49DE-C57A-00313717576F}"/>
+              </a:ext>
+            </a:extLst>
+          </p:cNvPr>
+          <p:cNvSpPr txBox="1"/>
+          <p:nvPr/>
+        </p:nvSpPr>
+        <p:spPr>
+          <a:xfrm>
+            <a:off x="6450141" y="1950069"/>
+            <a:ext cx="2950711" cy="923330"/>
+          </a:xfrm>
+          <a:prstGeom prst="rect">
+            <a:avLst/>
+          </a:prstGeom>
+          <a:noFill/>
+        </p:spPr>
+        <p:txBody>
+          <a:bodyPr wrap="square" rtlCol="0">
+            <a:spAutoFit/>
+          </a:bodyPr>
+          <a:lstStyle/>
+          <a:p>
+            <a:r>
+              <a:rPr lang="en-US" dirty="0">
+                <a:solidFill>
+                  <a:srgbClr val="FF0000"/>
+                </a:solidFill>
+              </a:rPr>
+              <a:t>unneeded file extension,</a:t>
+            </a:r>
+          </a:p>
+          <a:p>
+            <a:r>
+              <a:rPr lang="en-US" dirty="0">
+                <a:solidFill>
+                  <a:srgbClr val="FF0000"/>
+                </a:solidFill>
+              </a:rPr>
+              <a:t>quotation mark and possible</a:t>
+            </a:r>
+          </a:p>
+          <a:p>
+            <a:r>
+              <a:rPr lang="en-US" dirty="0">
+                <a:solidFill>
+                  <a:srgbClr val="FF0000"/>
+                </a:solidFill>
+              </a:rPr>
+              <a:t>trailing spaces</a:t>
+            </a:r>
+          </a:p>
+        </p:txBody>
+      </p:sp>
+      <p:sp>
+        <p:nvSpPr>
+          <p:cNvPr id="17" name="Down Arrow 16">
+            <a:extLst>
+              <a:ext uri="{FF2B5EF4-FFF2-40B4-BE49-F238E27FC236}">
+                <a16:creationId xmlns:a16="http://schemas.microsoft.com/office/drawing/2014/main" id="{72449DA1-262E-B1C9-25E8-A814E42A5B9D}"/>
+              </a:ext>
+            </a:extLst>
+          </p:cNvPr>
+          <p:cNvSpPr/>
+          <p:nvPr/>
+        </p:nvSpPr>
+        <p:spPr>
+          <a:xfrm>
+            <a:off x="4982223" y="2958957"/>
+            <a:ext cx="586370" cy="853112"/>
+          </a:xfrm>
+          <a:prstGeom prst="downArrow">
+            <a:avLst/>
+          </a:prstGeom>
+        </p:spPr>
+        <p:style>
+          <a:lnRef idx="2">
+            <a:schemeClr val="accent1">
+              <a:shade val="15000"/>
+            </a:schemeClr>
+          </a:lnRef>
+          <a:fillRef idx="1">
+            <a:schemeClr val="accent1"/>
+          </a:fillRef>
+          <a:effectRef idx="0">
+            <a:schemeClr val="accent1"/>
+          </a:effectRef>
+          <a:fontRef idx="minor">
+            <a:schemeClr val="lt1"/>
+          </a:fontRef>
+        </p:style>
+        <p:txBody>
+          <a:bodyPr rtlCol="0" anchor="ctr"/>
+          <a:lstStyle/>
+          <a:p>
+            <a:pPr algn="ctr"/>
+            <a:endParaRPr lang="en-US"/>
+          </a:p>
+        </p:txBody>
+      </p:sp>
+      <p:sp>
+        <p:nvSpPr>
+          <p:cNvPr id="21" name="Rounded Rectangle 20">
+            <a:extLst>
+              <a:ext uri="{FF2B5EF4-FFF2-40B4-BE49-F238E27FC236}">
+                <a16:creationId xmlns:a16="http://schemas.microsoft.com/office/drawing/2014/main" id="{8E2B3B64-DBE4-F7D1-3CB0-F6E5A3492D08}"/>
+              </a:ext>
+            </a:extLst>
+          </p:cNvPr>
+          <p:cNvSpPr/>
+          <p:nvPr/>
+        </p:nvSpPr>
+        <p:spPr>
+          <a:xfrm>
+            <a:off x="3585467" y="1159821"/>
+            <a:ext cx="1024128" cy="324438"/>
+          </a:xfrm>
+          <a:prstGeom prst="roundRect">
+            <a:avLst/>
+          </a:prstGeom>
+          <a:noFill/>
+          <a:ln>
+            <a:solidFill>
+              <a:srgbClr val="FF0000"/>
+            </a:solidFill>
+          </a:ln>
+        </p:spPr>
+        <p:style>
+          <a:lnRef idx="2">
+            <a:schemeClr val="accent1">
+              <a:shade val="15000"/>
+            </a:schemeClr>
+          </a:lnRef>
+          <a:fillRef idx="1">
+            <a:schemeClr val="accent1"/>
+          </a:fillRef>
+          <a:effectRef idx="0">
+            <a:schemeClr val="accent1"/>
+          </a:effectRef>
+          <a:fontRef idx="minor">
+            <a:schemeClr val="lt1"/>
+          </a:fontRef>
+        </p:style>
+        <p:txBody>
+          <a:bodyPr rtlCol="0" anchor="ctr"/>
+          <a:lstStyle/>
+          <a:p>
+            <a:pPr algn="ctr"/>
+            <a:endParaRPr lang="en-US"/>
+          </a:p>
+        </p:txBody>
+      </p:sp>
+      <p:sp>
+        <p:nvSpPr>
+          <p:cNvPr id="22" name="Rounded Rectangle 21">
+            <a:extLst>
+              <a:ext uri="{FF2B5EF4-FFF2-40B4-BE49-F238E27FC236}">
+                <a16:creationId xmlns:a16="http://schemas.microsoft.com/office/drawing/2014/main" id="{289E2957-8F97-717C-B119-34E4F699CA6E}"/>
+              </a:ext>
+            </a:extLst>
+          </p:cNvPr>
+          <p:cNvSpPr/>
+          <p:nvPr/>
+        </p:nvSpPr>
+        <p:spPr>
+          <a:xfrm>
+            <a:off x="5554682" y="1184826"/>
+            <a:ext cx="1122352" cy="324438"/>
+          </a:xfrm>
+          <a:prstGeom prst="roundRect">
+            <a:avLst/>
+          </a:prstGeom>
+          <a:noFill/>
+          <a:ln>
+            <a:solidFill>
+              <a:srgbClr val="FF0000"/>
+            </a:solidFill>
+          </a:ln>
+        </p:spPr>
+        <p:style>
+          <a:lnRef idx="2">
+            <a:schemeClr val="accent1">
+              <a:shade val="15000"/>
+            </a:schemeClr>
+          </a:lnRef>
+          <a:fillRef idx="1">
+            <a:schemeClr val="accent1"/>
+          </a:fillRef>
+          <a:effectRef idx="0">
+            <a:schemeClr val="accent1"/>
+          </a:effectRef>
+          <a:fontRef idx="minor">
+            <a:schemeClr val="lt1"/>
+          </a:fontRef>
+        </p:style>
+        <p:txBody>
+          <a:bodyPr rtlCol="0" anchor="ctr"/>
+          <a:lstStyle/>
+          <a:p>
+            <a:pPr algn="ctr"/>
+            <a:endParaRPr lang="en-US"/>
+          </a:p>
+        </p:txBody>
+      </p:sp>
+      <p:sp>
+        <p:nvSpPr>
+          <p:cNvPr id="23" name="TextBox 22">
+            <a:extLst>
+              <a:ext uri="{FF2B5EF4-FFF2-40B4-BE49-F238E27FC236}">
+                <a16:creationId xmlns:a16="http://schemas.microsoft.com/office/drawing/2014/main" id="{223AB6C6-E2A2-0DE2-8048-FE0C062F2877}"/>
+              </a:ext>
+            </a:extLst>
+          </p:cNvPr>
+          <p:cNvSpPr txBox="1"/>
+          <p:nvPr/>
+        </p:nvSpPr>
+        <p:spPr>
+          <a:xfrm>
+            <a:off x="5681609" y="3200847"/>
+            <a:ext cx="1289840" cy="369332"/>
+          </a:xfrm>
+          <a:prstGeom prst="rect">
+            <a:avLst/>
+          </a:prstGeom>
+          <a:noFill/>
+        </p:spPr>
+        <p:txBody>
+          <a:bodyPr wrap="none" rtlCol="0">
+            <a:spAutoFit/>
+          </a:bodyPr>
+          <a:lstStyle/>
+          <a:p>
+            <a:r>
+              <a:rPr lang="en-US" dirty="0"/>
+              <a:t>Parse String</a:t>
+            </a:r>
+          </a:p>
+        </p:txBody>
+      </p:sp>
+    </p:spTree>
+    <p:extLst>
+      <p:ext uri="{BB962C8B-B14F-4D97-AF65-F5344CB8AC3E}">
+        <p14:creationId xmlns:p14="http://schemas.microsoft.com/office/powerpoint/2010/main" val="810742621"/>
       </p:ext>
     </p:extLst>
   </p:cSld>

--- a/Images/annotated_images.pptx
+++ b/Images/annotated_images.pptx
@@ -8,6 +8,7 @@
     <p:sldId id="256" r:id="rId2"/>
     <p:sldId id="257" r:id="rId3"/>
     <p:sldId id="258" r:id="rId4"/>
+    <p:sldId id="259" r:id="rId5"/>
   </p:sldIdLst>
   <p:sldSz cx="12192000" cy="6858000"/>
   <p:notesSz cx="6858000" cy="9144000"/>
@@ -261,7 +262,7 @@
           <a:p>
             <a:fld id="{94AABED6-7D93-C14E-8706-1488B7BD9B1F}" type="datetimeFigureOut">
               <a:rPr lang="en-US" smtClean="0"/>
-              <a:t>10/10/23</a:t>
+              <a:t>10/20/23</a:t>
             </a:fld>
             <a:endParaRPr lang="en-US"/>
           </a:p>
@@ -459,7 +460,7 @@
           <a:p>
             <a:fld id="{94AABED6-7D93-C14E-8706-1488B7BD9B1F}" type="datetimeFigureOut">
               <a:rPr lang="en-US" smtClean="0"/>
-              <a:t>10/10/23</a:t>
+              <a:t>10/20/23</a:t>
             </a:fld>
             <a:endParaRPr lang="en-US"/>
           </a:p>
@@ -667,7 +668,7 @@
           <a:p>
             <a:fld id="{94AABED6-7D93-C14E-8706-1488B7BD9B1F}" type="datetimeFigureOut">
               <a:rPr lang="en-US" smtClean="0"/>
-              <a:t>10/10/23</a:t>
+              <a:t>10/20/23</a:t>
             </a:fld>
             <a:endParaRPr lang="en-US"/>
           </a:p>
@@ -865,7 +866,7 @@
           <a:p>
             <a:fld id="{94AABED6-7D93-C14E-8706-1488B7BD9B1F}" type="datetimeFigureOut">
               <a:rPr lang="en-US" smtClean="0"/>
-              <a:t>10/10/23</a:t>
+              <a:t>10/20/23</a:t>
             </a:fld>
             <a:endParaRPr lang="en-US"/>
           </a:p>
@@ -1140,7 +1141,7 @@
           <a:p>
             <a:fld id="{94AABED6-7D93-C14E-8706-1488B7BD9B1F}" type="datetimeFigureOut">
               <a:rPr lang="en-US" smtClean="0"/>
-              <a:t>10/10/23</a:t>
+              <a:t>10/20/23</a:t>
             </a:fld>
             <a:endParaRPr lang="en-US"/>
           </a:p>
@@ -1405,7 +1406,7 @@
           <a:p>
             <a:fld id="{94AABED6-7D93-C14E-8706-1488B7BD9B1F}" type="datetimeFigureOut">
               <a:rPr lang="en-US" smtClean="0"/>
-              <a:t>10/10/23</a:t>
+              <a:t>10/20/23</a:t>
             </a:fld>
             <a:endParaRPr lang="en-US"/>
           </a:p>
@@ -1817,7 +1818,7 @@
           <a:p>
             <a:fld id="{94AABED6-7D93-C14E-8706-1488B7BD9B1F}" type="datetimeFigureOut">
               <a:rPr lang="en-US" smtClean="0"/>
-              <a:t>10/10/23</a:t>
+              <a:t>10/20/23</a:t>
             </a:fld>
             <a:endParaRPr lang="en-US"/>
           </a:p>
@@ -1958,7 +1959,7 @@
           <a:p>
             <a:fld id="{94AABED6-7D93-C14E-8706-1488B7BD9B1F}" type="datetimeFigureOut">
               <a:rPr lang="en-US" smtClean="0"/>
-              <a:t>10/10/23</a:t>
+              <a:t>10/20/23</a:t>
             </a:fld>
             <a:endParaRPr lang="en-US"/>
           </a:p>
@@ -2071,7 +2072,7 @@
           <a:p>
             <a:fld id="{94AABED6-7D93-C14E-8706-1488B7BD9B1F}" type="datetimeFigureOut">
               <a:rPr lang="en-US" smtClean="0"/>
-              <a:t>10/10/23</a:t>
+              <a:t>10/20/23</a:t>
             </a:fld>
             <a:endParaRPr lang="en-US"/>
           </a:p>
@@ -2382,7 +2383,7 @@
           <a:p>
             <a:fld id="{94AABED6-7D93-C14E-8706-1488B7BD9B1F}" type="datetimeFigureOut">
               <a:rPr lang="en-US" smtClean="0"/>
-              <a:t>10/10/23</a:t>
+              <a:t>10/20/23</a:t>
             </a:fld>
             <a:endParaRPr lang="en-US"/>
           </a:p>
@@ -2670,7 +2671,7 @@
           <a:p>
             <a:fld id="{94AABED6-7D93-C14E-8706-1488B7BD9B1F}" type="datetimeFigureOut">
               <a:rPr lang="en-US" smtClean="0"/>
-              <a:t>10/10/23</a:t>
+              <a:t>10/20/23</a:t>
             </a:fld>
             <a:endParaRPr lang="en-US"/>
           </a:p>
@@ -2911,7 +2912,7 @@
           <a:p>
             <a:fld id="{94AABED6-7D93-C14E-8706-1488B7BD9B1F}" type="datetimeFigureOut">
               <a:rPr lang="en-US" smtClean="0"/>
-              <a:t>10/10/23</a:t>
+              <a:t>10/20/23</a:t>
             </a:fld>
             <a:endParaRPr lang="en-US"/>
           </a:p>
@@ -3513,7 +3514,7 @@
         </p:nvSpPr>
         <p:spPr>
           <a:xfrm>
-            <a:off x="760688" y="3937959"/>
+            <a:off x="2332631" y="3937959"/>
             <a:ext cx="863030" cy="472611"/>
           </a:xfrm>
           <a:prstGeom prst="roundRect">
@@ -3559,7 +3560,7 @@
         </p:nvSpPr>
         <p:spPr>
           <a:xfrm>
-            <a:off x="680207" y="3869464"/>
+            <a:off x="2252150" y="3869464"/>
             <a:ext cx="863030" cy="472611"/>
           </a:xfrm>
           <a:prstGeom prst="roundRect">
@@ -3605,7 +3606,7 @@
         </p:nvSpPr>
         <p:spPr>
           <a:xfrm>
-            <a:off x="599726" y="3800969"/>
+            <a:off x="2171669" y="3800969"/>
             <a:ext cx="863030" cy="472611"/>
           </a:xfrm>
           <a:prstGeom prst="roundRect">
@@ -3654,7 +3655,7 @@
         </p:nvSpPr>
         <p:spPr>
           <a:xfrm>
-            <a:off x="4200969" y="2348352"/>
+            <a:off x="5772912" y="2348352"/>
             <a:ext cx="1347628" cy="726043"/>
           </a:xfrm>
           <a:prstGeom prst="roundRect">
@@ -3703,7 +3704,7 @@
         </p:nvSpPr>
         <p:spPr>
           <a:xfrm>
-            <a:off x="4200969" y="3664686"/>
+            <a:off x="5772912" y="3664686"/>
             <a:ext cx="1347628" cy="726043"/>
           </a:xfrm>
           <a:prstGeom prst="roundRect">
@@ -3752,7 +3753,7 @@
         </p:nvSpPr>
         <p:spPr>
           <a:xfrm>
-            <a:off x="2102777" y="3674252"/>
+            <a:off x="3674720" y="3674252"/>
             <a:ext cx="1347628" cy="726043"/>
           </a:xfrm>
           <a:prstGeom prst="roundRect">
@@ -3801,7 +3802,7 @@
         </p:nvSpPr>
         <p:spPr>
           <a:xfrm>
-            <a:off x="810347" y="4830098"/>
+            <a:off x="2382290" y="4830098"/>
             <a:ext cx="863030" cy="472611"/>
           </a:xfrm>
           <a:prstGeom prst="roundRect">
@@ -3847,7 +3848,7 @@
         </p:nvSpPr>
         <p:spPr>
           <a:xfrm>
-            <a:off x="729866" y="4761603"/>
+            <a:off x="2301809" y="4761603"/>
             <a:ext cx="863030" cy="472611"/>
           </a:xfrm>
           <a:prstGeom prst="roundRect">
@@ -3893,7 +3894,7 @@
         </p:nvSpPr>
         <p:spPr>
           <a:xfrm>
-            <a:off x="649385" y="4693108"/>
+            <a:off x="2221328" y="4693108"/>
             <a:ext cx="863030" cy="472611"/>
           </a:xfrm>
           <a:prstGeom prst="roundRect">
@@ -3942,7 +3943,7 @@
         </p:nvSpPr>
         <p:spPr>
           <a:xfrm>
-            <a:off x="6325456" y="3667401"/>
+            <a:off x="7897399" y="3667401"/>
             <a:ext cx="1347628" cy="726043"/>
           </a:xfrm>
           <a:prstGeom prst="roundRect">
@@ -3991,7 +3992,7 @@
         </p:nvSpPr>
         <p:spPr>
           <a:xfrm>
-            <a:off x="8254666" y="2824629"/>
+            <a:off x="9826609" y="2824629"/>
             <a:ext cx="1347628" cy="726043"/>
           </a:xfrm>
           <a:prstGeom prst="roundRect">
@@ -4024,7 +4025,7 @@
             <a:pPr algn="ctr"/>
             <a:r>
               <a:rPr lang="en-US" sz="1400" dirty="0"/>
-              <a:t>Reports</a:t>
+              <a:t>Report</a:t>
             </a:r>
           </a:p>
         </p:txBody>
@@ -4043,7 +4044,7 @@
         </p:nvSpPr>
         <p:spPr>
           <a:xfrm>
-            <a:off x="8254666" y="4411404"/>
+            <a:off x="9826609" y="4411404"/>
             <a:ext cx="1347628" cy="726043"/>
           </a:xfrm>
           <a:prstGeom prst="roundRect">
@@ -4095,8 +4096,8 @@
         </p:nvSpPr>
         <p:spPr>
           <a:xfrm>
-            <a:off x="1738419" y="1986790"/>
-            <a:ext cx="943467" cy="472611"/>
+            <a:off x="9826610" y="1960599"/>
+            <a:ext cx="1347627" cy="761746"/>
           </a:xfrm>
           <a:prstGeom prst="roundRect">
             <a:avLst/>
@@ -4127,7 +4128,7 @@
           <a:p>
             <a:pPr algn="ctr"/>
             <a:r>
-              <a:rPr lang="en-US" sz="1000" dirty="0"/>
+              <a:rPr lang="en-US" sz="1400" dirty="0"/>
               <a:t>Photos</a:t>
             </a:r>
           </a:p>
@@ -4147,8 +4148,8 @@
         </p:nvSpPr>
         <p:spPr>
           <a:xfrm>
-            <a:off x="565366" y="2688692"/>
-            <a:ext cx="966545" cy="501582"/>
+            <a:off x="9826609" y="5234214"/>
+            <a:ext cx="1347628" cy="763965"/>
           </a:xfrm>
           <a:prstGeom prst="roundRect">
             <a:avLst/>
@@ -4179,7 +4180,7 @@
           <a:p>
             <a:pPr algn="ctr"/>
             <a:r>
-              <a:rPr lang="en-US" sz="1000" dirty="0"/>
+              <a:rPr lang="en-US" sz="1200" dirty="0"/>
               <a:t>Hand-written notes</a:t>
             </a:r>
           </a:p>
@@ -4202,7 +4203,7 @@
         </p:nvCxnSpPr>
         <p:spPr>
           <a:xfrm flipV="1">
-            <a:off x="1462756" y="4037274"/>
+            <a:off x="3034699" y="4037274"/>
             <a:ext cx="640021" cy="1"/>
           </a:xfrm>
           <a:prstGeom prst="straightConnector1">
@@ -4247,7 +4248,7 @@
         </p:nvCxnSpPr>
         <p:spPr>
           <a:xfrm flipV="1">
-            <a:off x="3450405" y="4027708"/>
+            <a:off x="5022348" y="4027708"/>
             <a:ext cx="750564" cy="9566"/>
           </a:xfrm>
           <a:prstGeom prst="straightConnector1">
@@ -4292,7 +4293,7 @@
         </p:nvCxnSpPr>
         <p:spPr>
           <a:xfrm>
-            <a:off x="5548597" y="2711374"/>
+            <a:off x="7120540" y="2711374"/>
             <a:ext cx="776859" cy="1319049"/>
           </a:xfrm>
           <a:prstGeom prst="bentConnector3">
@@ -4337,7 +4338,7 @@
         </p:nvCxnSpPr>
         <p:spPr>
           <a:xfrm>
-            <a:off x="5548597" y="4027708"/>
+            <a:off x="7120540" y="4027708"/>
             <a:ext cx="776859" cy="2715"/>
           </a:xfrm>
           <a:prstGeom prst="straightConnector1">
@@ -4383,7 +4384,7 @@
         </p:nvCxnSpPr>
         <p:spPr>
           <a:xfrm flipV="1">
-            <a:off x="1512415" y="4037274"/>
+            <a:off x="3084358" y="4037274"/>
             <a:ext cx="590362" cy="892140"/>
           </a:xfrm>
           <a:prstGeom prst="bentConnector3">
@@ -4425,7 +4426,7 @@
         </p:nvSpPr>
         <p:spPr>
           <a:xfrm>
-            <a:off x="590506" y="5375751"/>
+            <a:off x="2162449" y="5375751"/>
             <a:ext cx="1192260" cy="646331"/>
           </a:xfrm>
           <a:prstGeom prst="rect">
@@ -4461,7 +4462,7 @@
         </p:nvSpPr>
         <p:spPr>
           <a:xfrm>
-            <a:off x="4123989" y="5588316"/>
+            <a:off x="5695932" y="5588316"/>
             <a:ext cx="1192260" cy="461665"/>
           </a:xfrm>
           <a:prstGeom prst="rect">
@@ -4497,7 +4498,7 @@
         </p:nvSpPr>
         <p:spPr>
           <a:xfrm>
-            <a:off x="5393933" y="5767396"/>
+            <a:off x="6965876" y="5767396"/>
             <a:ext cx="2084300" cy="141016"/>
           </a:xfrm>
           <a:prstGeom prst="rightArrow">
@@ -4549,7 +4550,7 @@
         </p:nvSpPr>
         <p:spPr>
           <a:xfrm flipH="1">
-            <a:off x="2053898" y="5767396"/>
+            <a:off x="3625841" y="5767396"/>
             <a:ext cx="2084300" cy="141016"/>
           </a:xfrm>
           <a:prstGeom prst="rightArrow">
@@ -4601,7 +4602,7 @@
         </p:nvSpPr>
         <p:spPr>
           <a:xfrm>
-            <a:off x="2160294" y="4522126"/>
+            <a:off x="3732237" y="4522126"/>
             <a:ext cx="1192260" cy="461665"/>
           </a:xfrm>
           <a:prstGeom prst="rect">
@@ -4637,7 +4638,7 @@
         </p:nvSpPr>
         <p:spPr>
           <a:xfrm>
-            <a:off x="4200969" y="4519492"/>
+            <a:off x="5772912" y="4519492"/>
             <a:ext cx="1192260" cy="461665"/>
           </a:xfrm>
           <a:prstGeom prst="rect">
@@ -4673,7 +4674,7 @@
         </p:nvSpPr>
         <p:spPr>
           <a:xfrm>
-            <a:off x="4200970" y="2074779"/>
+            <a:off x="5772913" y="2074779"/>
             <a:ext cx="1347627" cy="276999"/>
           </a:xfrm>
           <a:prstGeom prst="rect">
@@ -4709,7 +4710,7 @@
         </p:nvSpPr>
         <p:spPr>
           <a:xfrm>
-            <a:off x="6403140" y="4522126"/>
+            <a:off x="7975083" y="4522126"/>
             <a:ext cx="1192260" cy="461665"/>
           </a:xfrm>
           <a:prstGeom prst="rect">
@@ -4745,7 +4746,7 @@
         </p:nvSpPr>
         <p:spPr>
           <a:xfrm>
-            <a:off x="1483130" y="3089007"/>
+            <a:off x="3055073" y="3089007"/>
             <a:ext cx="687966" cy="461665"/>
           </a:xfrm>
           <a:prstGeom prst="rect">
@@ -4787,7 +4788,7 @@
         </p:nvSpPr>
         <p:spPr>
           <a:xfrm>
-            <a:off x="3268744" y="3246565"/>
+            <a:off x="4840687" y="3246565"/>
             <a:ext cx="1092315" cy="461665"/>
           </a:xfrm>
           <a:prstGeom prst="rect">
@@ -4829,7 +4830,7 @@
         </p:nvSpPr>
         <p:spPr>
           <a:xfrm>
-            <a:off x="5632034" y="3087348"/>
+            <a:off x="7203977" y="3087348"/>
             <a:ext cx="1092315" cy="307777"/>
           </a:xfrm>
           <a:prstGeom prst="rect">
@@ -4871,7 +4872,7 @@
         </p:nvSpPr>
         <p:spPr>
           <a:xfrm>
-            <a:off x="7572140" y="3882842"/>
+            <a:off x="9144083" y="3882842"/>
             <a:ext cx="1092315" cy="307777"/>
           </a:xfrm>
           <a:prstGeom prst="rect">
@@ -4914,7 +4915,7 @@
         <p:spPr>
           <a:xfrm>
             <a:off x="241263" y="1748243"/>
-            <a:ext cx="9547779" cy="4373525"/>
+            <a:ext cx="11220871" cy="4373525"/>
           </a:xfrm>
           <a:prstGeom prst="rect">
             <a:avLst/>
@@ -4999,7 +5000,7 @@
         </p:nvSpPr>
         <p:spPr>
           <a:xfrm>
-            <a:off x="393664" y="3711166"/>
+            <a:off x="1965607" y="3711166"/>
             <a:ext cx="1536684" cy="2310916"/>
           </a:xfrm>
           <a:prstGeom prst="rect">
@@ -5049,7 +5050,7 @@
         </p:nvSpPr>
         <p:spPr>
           <a:xfrm>
-            <a:off x="539663" y="1985503"/>
+            <a:off x="532006" y="2475067"/>
             <a:ext cx="943467" cy="472611"/>
           </a:xfrm>
           <a:prstGeom prst="roundRect">
@@ -5101,7 +5102,7 @@
         </p:nvSpPr>
         <p:spPr>
           <a:xfrm>
-            <a:off x="2829136" y="2357341"/>
+            <a:off x="4401079" y="2357341"/>
             <a:ext cx="985766" cy="730007"/>
           </a:xfrm>
           <a:prstGeom prst="roundRect">
@@ -5156,7 +5157,7 @@
         </p:nvSpPr>
         <p:spPr>
           <a:xfrm>
-            <a:off x="3202197" y="1863600"/>
+            <a:off x="4774140" y="1863600"/>
             <a:ext cx="1092315" cy="461665"/>
           </a:xfrm>
           <a:prstGeom prst="rect">
@@ -5202,7 +5203,7 @@
         </p:nvCxnSpPr>
         <p:spPr>
           <a:xfrm flipV="1">
-            <a:off x="3814902" y="2711374"/>
+            <a:off x="5386845" y="2711374"/>
             <a:ext cx="386067" cy="10971"/>
           </a:xfrm>
           <a:prstGeom prst="straightConnector1">
@@ -5230,6 +5231,58 @@
           </a:fontRef>
         </p:style>
       </p:cxnSp>
+      <p:sp>
+        <p:nvSpPr>
+          <p:cNvPr id="6" name="Rounded Rectangle 5">
+            <a:extLst>
+              <a:ext uri="{FF2B5EF4-FFF2-40B4-BE49-F238E27FC236}">
+                <a16:creationId xmlns:a16="http://schemas.microsoft.com/office/drawing/2014/main" id="{D4BE415B-2BE4-0376-072B-08866AEBB38E}"/>
+              </a:ext>
+            </a:extLst>
+          </p:cNvPr>
+          <p:cNvSpPr/>
+          <p:nvPr/>
+        </p:nvSpPr>
+        <p:spPr>
+          <a:xfrm>
+            <a:off x="556976" y="4374349"/>
+            <a:ext cx="943467" cy="472611"/>
+          </a:xfrm>
+          <a:prstGeom prst="roundRect">
+            <a:avLst/>
+          </a:prstGeom>
+          <a:solidFill>
+            <a:schemeClr val="accent6"/>
+          </a:solidFill>
+        </p:spPr>
+        <p:style>
+          <a:lnRef idx="2">
+            <a:schemeClr val="accent1">
+              <a:shade val="15000"/>
+            </a:schemeClr>
+          </a:lnRef>
+          <a:fillRef idx="1">
+            <a:schemeClr val="accent1"/>
+          </a:fillRef>
+          <a:effectRef idx="0">
+            <a:schemeClr val="accent1"/>
+          </a:effectRef>
+          <a:fontRef idx="minor">
+            <a:schemeClr val="lt1"/>
+          </a:fontRef>
+        </p:style>
+        <p:txBody>
+          <a:bodyPr rtlCol="0" anchor="ctr"/>
+          <a:lstStyle/>
+          <a:p>
+            <a:pPr algn="ctr"/>
+            <a:r>
+              <a:rPr lang="en-US" sz="1000" dirty="0"/>
+              <a:t>Lab Sampling Plan</a:t>
+            </a:r>
+          </a:p>
+        </p:txBody>
+      </p:sp>
     </p:spTree>
     <p:extLst>
       <p:ext uri="{BB962C8B-B14F-4D97-AF65-F5344CB8AC3E}">
@@ -5822,6 +5875,724 @@
     <p:extLst>
       <p:ext uri="{BB962C8B-B14F-4D97-AF65-F5344CB8AC3E}">
         <p14:creationId xmlns:p14="http://schemas.microsoft.com/office/powerpoint/2010/main" val="810742621"/>
+      </p:ext>
+    </p:extLst>
+  </p:cSld>
+  <p:clrMapOvr>
+    <a:masterClrMapping/>
+  </p:clrMapOvr>
+</p:sld>
+</file>
+
+<file path=ppt/slides/slide4.xml><?xml version="1.0" encoding="utf-8"?>
+<p:sld xmlns:a="http://schemas.openxmlformats.org/drawingml/2006/main" xmlns:r="http://schemas.openxmlformats.org/officeDocument/2006/relationships" xmlns:p="http://schemas.openxmlformats.org/presentationml/2006/main">
+  <p:cSld>
+    <p:spTree>
+      <p:nvGrpSpPr>
+        <p:cNvPr id="1" name=""/>
+        <p:cNvGrpSpPr/>
+        <p:nvPr/>
+      </p:nvGrpSpPr>
+      <p:grpSpPr>
+        <a:xfrm>
+          <a:off x="0" y="0"/>
+          <a:ext cx="0" cy="0"/>
+          <a:chOff x="0" y="0"/>
+          <a:chExt cx="0" cy="0"/>
+        </a:xfrm>
+      </p:grpSpPr>
+      <p:pic>
+        <p:nvPicPr>
+          <p:cNvPr id="5" name="Picture 4" descr="A screenshot of a data sheet&#10;&#10;Description automatically generated">
+            <a:extLst>
+              <a:ext uri="{FF2B5EF4-FFF2-40B4-BE49-F238E27FC236}">
+                <a16:creationId xmlns:a16="http://schemas.microsoft.com/office/drawing/2014/main" id="{F6511DD6-5AD3-FBC3-9E61-AAA018994FB0}"/>
+              </a:ext>
+            </a:extLst>
+          </p:cNvPr>
+          <p:cNvPicPr>
+            <a:picLocks noChangeAspect="1"/>
+          </p:cNvPicPr>
+          <p:nvPr/>
+        </p:nvPicPr>
+        <p:blipFill>
+          <a:blip r:embed="rId2"/>
+          <a:stretch>
+            <a:fillRect/>
+          </a:stretch>
+        </p:blipFill>
+        <p:spPr>
+          <a:xfrm>
+            <a:off x="1420830" y="240144"/>
+            <a:ext cx="4069080" cy="2918460"/>
+          </a:xfrm>
+          <a:prstGeom prst="rect">
+            <a:avLst/>
+          </a:prstGeom>
+        </p:spPr>
+      </p:pic>
+      <p:pic>
+        <p:nvPicPr>
+          <p:cNvPr id="7" name="Picture 6" descr="A screenshot of a graph&#10;&#10;Description automatically generated">
+            <a:extLst>
+              <a:ext uri="{FF2B5EF4-FFF2-40B4-BE49-F238E27FC236}">
+                <a16:creationId xmlns:a16="http://schemas.microsoft.com/office/drawing/2014/main" id="{09D5FF67-0BD5-C6FA-8A5A-F967EF90BDB7}"/>
+              </a:ext>
+            </a:extLst>
+          </p:cNvPr>
+          <p:cNvPicPr>
+            <a:picLocks noChangeAspect="1"/>
+          </p:cNvPicPr>
+          <p:nvPr/>
+        </p:nvPicPr>
+        <p:blipFill>
+          <a:blip r:embed="rId3"/>
+          <a:stretch>
+            <a:fillRect/>
+          </a:stretch>
+        </p:blipFill>
+        <p:spPr>
+          <a:xfrm>
+            <a:off x="1420830" y="3512549"/>
+            <a:ext cx="4053840" cy="2476500"/>
+          </a:xfrm>
+          <a:prstGeom prst="rect">
+            <a:avLst/>
+          </a:prstGeom>
+        </p:spPr>
+      </p:pic>
+      <p:cxnSp>
+        <p:nvCxnSpPr>
+          <p:cNvPr id="8" name="Straight Arrow Connector 7">
+            <a:extLst>
+              <a:ext uri="{FF2B5EF4-FFF2-40B4-BE49-F238E27FC236}">
+                <a16:creationId xmlns:a16="http://schemas.microsoft.com/office/drawing/2014/main" id="{9A7DBA79-6969-6D49-9BBE-398C46EE2C92}"/>
+              </a:ext>
+            </a:extLst>
+          </p:cNvPr>
+          <p:cNvCxnSpPr>
+            <a:cxnSpLocks/>
+            <a:stCxn id="11" idx="1"/>
+          </p:cNvCxnSpPr>
+          <p:nvPr/>
+        </p:nvCxnSpPr>
+        <p:spPr>
+          <a:xfrm flipH="1" flipV="1">
+            <a:off x="3041151" y="719191"/>
+            <a:ext cx="2267340" cy="411760"/>
+          </a:xfrm>
+          <a:prstGeom prst="straightConnector1">
+            <a:avLst/>
+          </a:prstGeom>
+          <a:ln w="19050">
+            <a:solidFill>
+              <a:srgbClr val="FF0000"/>
+            </a:solidFill>
+            <a:tailEnd type="triangle"/>
+          </a:ln>
+        </p:spPr>
+        <p:style>
+          <a:lnRef idx="1">
+            <a:schemeClr val="accent1"/>
+          </a:lnRef>
+          <a:fillRef idx="0">
+            <a:schemeClr val="accent1"/>
+          </a:fillRef>
+          <a:effectRef idx="0">
+            <a:schemeClr val="accent1"/>
+          </a:effectRef>
+          <a:fontRef idx="minor">
+            <a:schemeClr val="tx1"/>
+          </a:fontRef>
+        </p:style>
+      </p:cxnSp>
+      <p:sp>
+        <p:nvSpPr>
+          <p:cNvPr id="9" name="TextBox 8">
+            <a:extLst>
+              <a:ext uri="{FF2B5EF4-FFF2-40B4-BE49-F238E27FC236}">
+                <a16:creationId xmlns:a16="http://schemas.microsoft.com/office/drawing/2014/main" id="{2502F2EA-AE6E-E744-76AE-26DECBCE169A}"/>
+              </a:ext>
+            </a:extLst>
+          </p:cNvPr>
+          <p:cNvSpPr txBox="1"/>
+          <p:nvPr/>
+        </p:nvSpPr>
+        <p:spPr>
+          <a:xfrm>
+            <a:off x="4736826" y="448794"/>
+            <a:ext cx="4148396" cy="369332"/>
+          </a:xfrm>
+          <a:prstGeom prst="rect">
+            <a:avLst/>
+          </a:prstGeom>
+          <a:noFill/>
+        </p:spPr>
+        <p:txBody>
+          <a:bodyPr wrap="square" rtlCol="0">
+            <a:spAutoFit/>
+          </a:bodyPr>
+          <a:lstStyle/>
+          <a:p>
+            <a:r>
+              <a:rPr lang="en-US" dirty="0">
+                <a:solidFill>
+                  <a:srgbClr val="FF0000"/>
+                </a:solidFill>
+              </a:rPr>
+              <a:t>File header with metadata for Run</a:t>
+            </a:r>
+          </a:p>
+        </p:txBody>
+      </p:sp>
+      <p:sp>
+        <p:nvSpPr>
+          <p:cNvPr id="10" name="Rounded Rectangle 9">
+            <a:extLst>
+              <a:ext uri="{FF2B5EF4-FFF2-40B4-BE49-F238E27FC236}">
+                <a16:creationId xmlns:a16="http://schemas.microsoft.com/office/drawing/2014/main" id="{BC80383A-BD6E-AACD-AF1D-EA50A51705A3}"/>
+              </a:ext>
+            </a:extLst>
+          </p:cNvPr>
+          <p:cNvSpPr/>
+          <p:nvPr/>
+        </p:nvSpPr>
+        <p:spPr>
+          <a:xfrm>
+            <a:off x="1592279" y="398734"/>
+            <a:ext cx="3072153" cy="906083"/>
+          </a:xfrm>
+          <a:prstGeom prst="roundRect">
+            <a:avLst/>
+          </a:prstGeom>
+          <a:noFill/>
+          <a:ln>
+            <a:solidFill>
+              <a:srgbClr val="FF0000"/>
+            </a:solidFill>
+          </a:ln>
+        </p:spPr>
+        <p:style>
+          <a:lnRef idx="2">
+            <a:schemeClr val="accent1">
+              <a:shade val="15000"/>
+            </a:schemeClr>
+          </a:lnRef>
+          <a:fillRef idx="1">
+            <a:schemeClr val="accent1"/>
+          </a:fillRef>
+          <a:effectRef idx="0">
+            <a:schemeClr val="accent1"/>
+          </a:effectRef>
+          <a:fontRef idx="minor">
+            <a:schemeClr val="lt1"/>
+          </a:fontRef>
+        </p:style>
+        <p:txBody>
+          <a:bodyPr rtlCol="0" anchor="ctr"/>
+          <a:lstStyle/>
+          <a:p>
+            <a:pPr algn="ctr"/>
+            <a:endParaRPr lang="en-US"/>
+          </a:p>
+        </p:txBody>
+      </p:sp>
+      <p:sp>
+        <p:nvSpPr>
+          <p:cNvPr id="11" name="TextBox 10">
+            <a:extLst>
+              <a:ext uri="{FF2B5EF4-FFF2-40B4-BE49-F238E27FC236}">
+                <a16:creationId xmlns:a16="http://schemas.microsoft.com/office/drawing/2014/main" id="{37A833AA-0ABA-246D-1AA9-0FCCB9264EDE}"/>
+              </a:ext>
+            </a:extLst>
+          </p:cNvPr>
+          <p:cNvSpPr txBox="1"/>
+          <p:nvPr/>
+        </p:nvSpPr>
+        <p:spPr>
+          <a:xfrm>
+            <a:off x="5308491" y="992451"/>
+            <a:ext cx="1781487" cy="276999"/>
+          </a:xfrm>
+          <a:prstGeom prst="rect">
+            <a:avLst/>
+          </a:prstGeom>
+          <a:noFill/>
+        </p:spPr>
+        <p:txBody>
+          <a:bodyPr wrap="square" rtlCol="0">
+            <a:spAutoFit/>
+          </a:bodyPr>
+          <a:lstStyle/>
+          <a:p>
+            <a:r>
+              <a:rPr lang="en-US" sz="1200" dirty="0">
+                <a:solidFill>
+                  <a:srgbClr val="FF0000"/>
+                </a:solidFill>
+              </a:rPr>
+              <a:t>RunID</a:t>
+            </a:r>
+          </a:p>
+        </p:txBody>
+      </p:sp>
+      <p:sp>
+        <p:nvSpPr>
+          <p:cNvPr id="12" name="TextBox 11">
+            <a:extLst>
+              <a:ext uri="{FF2B5EF4-FFF2-40B4-BE49-F238E27FC236}">
+                <a16:creationId xmlns:a16="http://schemas.microsoft.com/office/drawing/2014/main" id="{92998A70-C113-5EE9-B09E-F9BF8CD340E9}"/>
+              </a:ext>
+            </a:extLst>
+          </p:cNvPr>
+          <p:cNvSpPr txBox="1"/>
+          <p:nvPr/>
+        </p:nvSpPr>
+        <p:spPr>
+          <a:xfrm>
+            <a:off x="5312217" y="835894"/>
+            <a:ext cx="1781487" cy="276999"/>
+          </a:xfrm>
+          <a:prstGeom prst="rect">
+            <a:avLst/>
+          </a:prstGeom>
+          <a:noFill/>
+        </p:spPr>
+        <p:txBody>
+          <a:bodyPr wrap="square" rtlCol="0">
+            <a:spAutoFit/>
+          </a:bodyPr>
+          <a:lstStyle/>
+          <a:p>
+            <a:r>
+              <a:rPr lang="en-US" sz="1200" dirty="0">
+                <a:solidFill>
+                  <a:srgbClr val="FF0000"/>
+                </a:solidFill>
+              </a:rPr>
+              <a:t>AnalysisID</a:t>
+            </a:r>
+          </a:p>
+        </p:txBody>
+      </p:sp>
+      <p:cxnSp>
+        <p:nvCxnSpPr>
+          <p:cNvPr id="15" name="Straight Arrow Connector 14">
+            <a:extLst>
+              <a:ext uri="{FF2B5EF4-FFF2-40B4-BE49-F238E27FC236}">
+                <a16:creationId xmlns:a16="http://schemas.microsoft.com/office/drawing/2014/main" id="{FB01AE69-FD85-7D2D-DA12-50B083356A3B}"/>
+              </a:ext>
+            </a:extLst>
+          </p:cNvPr>
+          <p:cNvCxnSpPr>
+            <a:cxnSpLocks/>
+            <a:stCxn id="12" idx="1"/>
+          </p:cNvCxnSpPr>
+          <p:nvPr/>
+        </p:nvCxnSpPr>
+        <p:spPr>
+          <a:xfrm flipH="1" flipV="1">
+            <a:off x="4220404" y="699409"/>
+            <a:ext cx="1091813" cy="274985"/>
+          </a:xfrm>
+          <a:prstGeom prst="straightConnector1">
+            <a:avLst/>
+          </a:prstGeom>
+          <a:ln w="19050">
+            <a:solidFill>
+              <a:srgbClr val="FF0000"/>
+            </a:solidFill>
+            <a:tailEnd type="triangle"/>
+          </a:ln>
+        </p:spPr>
+        <p:style>
+          <a:lnRef idx="1">
+            <a:schemeClr val="accent1"/>
+          </a:lnRef>
+          <a:fillRef idx="0">
+            <a:schemeClr val="accent1"/>
+          </a:fillRef>
+          <a:effectRef idx="0">
+            <a:schemeClr val="accent1"/>
+          </a:effectRef>
+          <a:fontRef idx="minor">
+            <a:schemeClr val="tx1"/>
+          </a:fontRef>
+        </p:style>
+      </p:cxnSp>
+      <p:sp>
+        <p:nvSpPr>
+          <p:cNvPr id="18" name="TextBox 17">
+            <a:extLst>
+              <a:ext uri="{FF2B5EF4-FFF2-40B4-BE49-F238E27FC236}">
+                <a16:creationId xmlns:a16="http://schemas.microsoft.com/office/drawing/2014/main" id="{1B9DE9C4-EBE8-A013-80EA-8D55DCDEC644}"/>
+              </a:ext>
+            </a:extLst>
+          </p:cNvPr>
+          <p:cNvSpPr txBox="1"/>
+          <p:nvPr/>
+        </p:nvSpPr>
+        <p:spPr>
+          <a:xfrm>
+            <a:off x="4736826" y="1334438"/>
+            <a:ext cx="4148396" cy="369332"/>
+          </a:xfrm>
+          <a:prstGeom prst="rect">
+            <a:avLst/>
+          </a:prstGeom>
+          <a:noFill/>
+        </p:spPr>
+        <p:txBody>
+          <a:bodyPr wrap="square" rtlCol="0">
+            <a:spAutoFit/>
+          </a:bodyPr>
+          <a:lstStyle/>
+          <a:p>
+            <a:r>
+              <a:rPr lang="en-US" dirty="0">
+                <a:solidFill>
+                  <a:srgbClr val="FF0000"/>
+                </a:solidFill>
+              </a:rPr>
+              <a:t>Sample 1</a:t>
+            </a:r>
+          </a:p>
+        </p:txBody>
+      </p:sp>
+      <p:sp>
+        <p:nvSpPr>
+          <p:cNvPr id="20" name="TextBox 19">
+            <a:extLst>
+              <a:ext uri="{FF2B5EF4-FFF2-40B4-BE49-F238E27FC236}">
+                <a16:creationId xmlns:a16="http://schemas.microsoft.com/office/drawing/2014/main" id="{8264D048-7382-F218-C34C-E4E3A3DCA28E}"/>
+              </a:ext>
+            </a:extLst>
+          </p:cNvPr>
+          <p:cNvSpPr txBox="1"/>
+          <p:nvPr/>
+        </p:nvSpPr>
+        <p:spPr>
+          <a:xfrm>
+            <a:off x="4835881" y="4566133"/>
+            <a:ext cx="4148396" cy="369332"/>
+          </a:xfrm>
+          <a:prstGeom prst="rect">
+            <a:avLst/>
+          </a:prstGeom>
+          <a:noFill/>
+        </p:spPr>
+        <p:txBody>
+          <a:bodyPr wrap="square" rtlCol="0">
+            <a:spAutoFit/>
+          </a:bodyPr>
+          <a:lstStyle/>
+          <a:p>
+            <a:r>
+              <a:rPr lang="en-US" dirty="0">
+                <a:solidFill>
+                  <a:srgbClr val="FF0000"/>
+                </a:solidFill>
+              </a:rPr>
+              <a:t>Sample 2</a:t>
+            </a:r>
+          </a:p>
+        </p:txBody>
+      </p:sp>
+      <p:cxnSp>
+        <p:nvCxnSpPr>
+          <p:cNvPr id="21" name="Straight Arrow Connector 20">
+            <a:extLst>
+              <a:ext uri="{FF2B5EF4-FFF2-40B4-BE49-F238E27FC236}">
+                <a16:creationId xmlns:a16="http://schemas.microsoft.com/office/drawing/2014/main" id="{52E2C2FE-249F-C699-E2A8-50A3AECC4AC6}"/>
+              </a:ext>
+            </a:extLst>
+          </p:cNvPr>
+          <p:cNvCxnSpPr>
+            <a:cxnSpLocks/>
+            <a:stCxn id="22" idx="1"/>
+          </p:cNvCxnSpPr>
+          <p:nvPr/>
+        </p:nvCxnSpPr>
+        <p:spPr>
+          <a:xfrm flipH="1" flipV="1">
+            <a:off x="3267182" y="1576508"/>
+            <a:ext cx="1784800" cy="361181"/>
+          </a:xfrm>
+          <a:prstGeom prst="straightConnector1">
+            <a:avLst/>
+          </a:prstGeom>
+          <a:ln w="19050">
+            <a:solidFill>
+              <a:srgbClr val="FF0000"/>
+            </a:solidFill>
+            <a:tailEnd type="triangle"/>
+          </a:ln>
+        </p:spPr>
+        <p:style>
+          <a:lnRef idx="1">
+            <a:schemeClr val="accent1"/>
+          </a:lnRef>
+          <a:fillRef idx="0">
+            <a:schemeClr val="accent1"/>
+          </a:fillRef>
+          <a:effectRef idx="0">
+            <a:schemeClr val="accent1"/>
+          </a:effectRef>
+          <a:fontRef idx="minor">
+            <a:schemeClr val="tx1"/>
+          </a:fontRef>
+        </p:style>
+      </p:cxnSp>
+      <p:sp>
+        <p:nvSpPr>
+          <p:cNvPr id="22" name="TextBox 21">
+            <a:extLst>
+              <a:ext uri="{FF2B5EF4-FFF2-40B4-BE49-F238E27FC236}">
+                <a16:creationId xmlns:a16="http://schemas.microsoft.com/office/drawing/2014/main" id="{BD7D2ECC-2244-A279-B40C-6923837D64B7}"/>
+              </a:ext>
+            </a:extLst>
+          </p:cNvPr>
+          <p:cNvSpPr txBox="1"/>
+          <p:nvPr/>
+        </p:nvSpPr>
+        <p:spPr>
+          <a:xfrm>
+            <a:off x="5051982" y="1706856"/>
+            <a:ext cx="1781487" cy="461665"/>
+          </a:xfrm>
+          <a:prstGeom prst="rect">
+            <a:avLst/>
+          </a:prstGeom>
+          <a:noFill/>
+        </p:spPr>
+        <p:txBody>
+          <a:bodyPr wrap="square" rtlCol="0">
+            <a:spAutoFit/>
+          </a:bodyPr>
+          <a:lstStyle/>
+          <a:p>
+            <a:r>
+              <a:rPr lang="en-US" sz="1200" dirty="0">
+                <a:solidFill>
+                  <a:srgbClr val="FF0000"/>
+                </a:solidFill>
+              </a:rPr>
+              <a:t>Calculated parameter results for Sample 1</a:t>
+            </a:r>
+          </a:p>
+        </p:txBody>
+      </p:sp>
+      <p:sp>
+        <p:nvSpPr>
+          <p:cNvPr id="26" name="TextBox 25">
+            <a:extLst>
+              <a:ext uri="{FF2B5EF4-FFF2-40B4-BE49-F238E27FC236}">
+                <a16:creationId xmlns:a16="http://schemas.microsoft.com/office/drawing/2014/main" id="{00E44F06-FEF6-ACE0-A12D-C61098024763}"/>
+              </a:ext>
+            </a:extLst>
+          </p:cNvPr>
+          <p:cNvSpPr txBox="1"/>
+          <p:nvPr/>
+        </p:nvSpPr>
+        <p:spPr>
+          <a:xfrm>
+            <a:off x="5051982" y="2617505"/>
+            <a:ext cx="1872799" cy="459467"/>
+          </a:xfrm>
+          <a:prstGeom prst="rect">
+            <a:avLst/>
+          </a:prstGeom>
+          <a:noFill/>
+        </p:spPr>
+        <p:txBody>
+          <a:bodyPr wrap="square" rtlCol="0">
+            <a:spAutoFit/>
+          </a:bodyPr>
+          <a:lstStyle/>
+          <a:p>
+            <a:r>
+              <a:rPr lang="en-US" sz="1200" dirty="0">
+                <a:solidFill>
+                  <a:srgbClr val="FF0000"/>
+                </a:solidFill>
+              </a:rPr>
+              <a:t>Load versus Extension data for Sample 1</a:t>
+            </a:r>
+          </a:p>
+        </p:txBody>
+      </p:sp>
+      <p:cxnSp>
+        <p:nvCxnSpPr>
+          <p:cNvPr id="27" name="Straight Arrow Connector 26">
+            <a:extLst>
+              <a:ext uri="{FF2B5EF4-FFF2-40B4-BE49-F238E27FC236}">
+                <a16:creationId xmlns:a16="http://schemas.microsoft.com/office/drawing/2014/main" id="{AE6344E7-03BE-4CA5-22D5-6C98CF2E06E9}"/>
+              </a:ext>
+            </a:extLst>
+          </p:cNvPr>
+          <p:cNvCxnSpPr>
+            <a:cxnSpLocks/>
+          </p:cNvCxnSpPr>
+          <p:nvPr/>
+        </p:nvCxnSpPr>
+        <p:spPr>
+          <a:xfrm flipV="1">
+            <a:off x="4921317" y="2138978"/>
+            <a:ext cx="0" cy="2242097"/>
+          </a:xfrm>
+          <a:prstGeom prst="straightConnector1">
+            <a:avLst/>
+          </a:prstGeom>
+          <a:ln w="19050">
+            <a:solidFill>
+              <a:srgbClr val="FF0000"/>
+            </a:solidFill>
+            <a:headEnd type="triangle" w="med" len="med"/>
+            <a:tailEnd type="triangle" w="med" len="med"/>
+          </a:ln>
+        </p:spPr>
+        <p:style>
+          <a:lnRef idx="1">
+            <a:schemeClr val="accent1"/>
+          </a:lnRef>
+          <a:fillRef idx="0">
+            <a:schemeClr val="accent1"/>
+          </a:fillRef>
+          <a:effectRef idx="0">
+            <a:schemeClr val="accent1"/>
+          </a:effectRef>
+          <a:fontRef idx="minor">
+            <a:schemeClr val="tx1"/>
+          </a:fontRef>
+        </p:style>
+      </p:cxnSp>
+      <p:cxnSp>
+        <p:nvCxnSpPr>
+          <p:cNvPr id="31" name="Straight Arrow Connector 30">
+            <a:extLst>
+              <a:ext uri="{FF2B5EF4-FFF2-40B4-BE49-F238E27FC236}">
+                <a16:creationId xmlns:a16="http://schemas.microsoft.com/office/drawing/2014/main" id="{29C490EB-482E-F71E-B99F-F4467C66D094}"/>
+              </a:ext>
+            </a:extLst>
+          </p:cNvPr>
+          <p:cNvCxnSpPr>
+            <a:cxnSpLocks/>
+            <a:stCxn id="32" idx="1"/>
+          </p:cNvCxnSpPr>
+          <p:nvPr/>
+        </p:nvCxnSpPr>
+        <p:spPr>
+          <a:xfrm flipH="1" flipV="1">
+            <a:off x="3267182" y="4990175"/>
+            <a:ext cx="1784800" cy="361181"/>
+          </a:xfrm>
+          <a:prstGeom prst="straightConnector1">
+            <a:avLst/>
+          </a:prstGeom>
+          <a:ln w="19050">
+            <a:solidFill>
+              <a:srgbClr val="FF0000"/>
+            </a:solidFill>
+            <a:tailEnd type="triangle"/>
+          </a:ln>
+        </p:spPr>
+        <p:style>
+          <a:lnRef idx="1">
+            <a:schemeClr val="accent1"/>
+          </a:lnRef>
+          <a:fillRef idx="0">
+            <a:schemeClr val="accent1"/>
+          </a:fillRef>
+          <a:effectRef idx="0">
+            <a:schemeClr val="accent1"/>
+          </a:effectRef>
+          <a:fontRef idx="minor">
+            <a:schemeClr val="tx1"/>
+          </a:fontRef>
+        </p:style>
+      </p:cxnSp>
+      <p:sp>
+        <p:nvSpPr>
+          <p:cNvPr id="32" name="TextBox 31">
+            <a:extLst>
+              <a:ext uri="{FF2B5EF4-FFF2-40B4-BE49-F238E27FC236}">
+                <a16:creationId xmlns:a16="http://schemas.microsoft.com/office/drawing/2014/main" id="{8E327B2F-086E-2557-E63F-BC8BDB469659}"/>
+              </a:ext>
+            </a:extLst>
+          </p:cNvPr>
+          <p:cNvSpPr txBox="1"/>
+          <p:nvPr/>
+        </p:nvSpPr>
+        <p:spPr>
+          <a:xfrm>
+            <a:off x="5051982" y="5120523"/>
+            <a:ext cx="1781487" cy="461665"/>
+          </a:xfrm>
+          <a:prstGeom prst="rect">
+            <a:avLst/>
+          </a:prstGeom>
+          <a:noFill/>
+        </p:spPr>
+        <p:txBody>
+          <a:bodyPr wrap="square" rtlCol="0">
+            <a:spAutoFit/>
+          </a:bodyPr>
+          <a:lstStyle/>
+          <a:p>
+            <a:r>
+              <a:rPr lang="en-US" sz="1200" dirty="0">
+                <a:solidFill>
+                  <a:srgbClr val="FF0000"/>
+                </a:solidFill>
+              </a:rPr>
+              <a:t>Calculated parameter results for Sample 2</a:t>
+            </a:r>
+          </a:p>
+        </p:txBody>
+      </p:sp>
+      <p:sp>
+        <p:nvSpPr>
+          <p:cNvPr id="33" name="TextBox 32">
+            <a:extLst>
+              <a:ext uri="{FF2B5EF4-FFF2-40B4-BE49-F238E27FC236}">
+                <a16:creationId xmlns:a16="http://schemas.microsoft.com/office/drawing/2014/main" id="{2630625B-77C8-4080-3A16-4A092CAF17B9}"/>
+              </a:ext>
+            </a:extLst>
+          </p:cNvPr>
+          <p:cNvSpPr txBox="1"/>
+          <p:nvPr/>
+        </p:nvSpPr>
+        <p:spPr>
+          <a:xfrm>
+            <a:off x="5051982" y="5661761"/>
+            <a:ext cx="1872799" cy="276999"/>
+          </a:xfrm>
+          <a:prstGeom prst="rect">
+            <a:avLst/>
+          </a:prstGeom>
+          <a:noFill/>
+        </p:spPr>
+        <p:txBody>
+          <a:bodyPr wrap="square" rtlCol="0">
+            <a:spAutoFit/>
+          </a:bodyPr>
+          <a:lstStyle/>
+          <a:p>
+            <a:r>
+              <a:rPr lang="en-US" sz="1200" dirty="0">
+                <a:solidFill>
+                  <a:srgbClr val="FF0000"/>
+                </a:solidFill>
+              </a:rPr>
+              <a:t>Etc.</a:t>
+            </a:r>
+          </a:p>
+        </p:txBody>
+      </p:sp>
+    </p:spTree>
+    <p:extLst>
+      <p:ext uri="{BB962C8B-B14F-4D97-AF65-F5344CB8AC3E}">
+        <p14:creationId xmlns:p14="http://schemas.microsoft.com/office/powerpoint/2010/main" val="1022538950"/>
       </p:ext>
     </p:extLst>
   </p:cSld>

--- a/Images/annotated_images.pptx
+++ b/Images/annotated_images.pptx
@@ -9,6 +9,8 @@
     <p:sldId id="257" r:id="rId3"/>
     <p:sldId id="258" r:id="rId4"/>
     <p:sldId id="259" r:id="rId5"/>
+    <p:sldId id="260" r:id="rId6"/>
+    <p:sldId id="261" r:id="rId7"/>
   </p:sldIdLst>
   <p:sldSz cx="12192000" cy="6858000"/>
   <p:notesSz cx="6858000" cy="9144000"/>
@@ -262,7 +264,7 @@
           <a:p>
             <a:fld id="{94AABED6-7D93-C14E-8706-1488B7BD9B1F}" type="datetimeFigureOut">
               <a:rPr lang="en-US" smtClean="0"/>
-              <a:t>10/20/23</a:t>
+              <a:t>11/7/23</a:t>
             </a:fld>
             <a:endParaRPr lang="en-US"/>
           </a:p>
@@ -460,7 +462,7 @@
           <a:p>
             <a:fld id="{94AABED6-7D93-C14E-8706-1488B7BD9B1F}" type="datetimeFigureOut">
               <a:rPr lang="en-US" smtClean="0"/>
-              <a:t>10/20/23</a:t>
+              <a:t>11/7/23</a:t>
             </a:fld>
             <a:endParaRPr lang="en-US"/>
           </a:p>
@@ -668,7 +670,7 @@
           <a:p>
             <a:fld id="{94AABED6-7D93-C14E-8706-1488B7BD9B1F}" type="datetimeFigureOut">
               <a:rPr lang="en-US" smtClean="0"/>
-              <a:t>10/20/23</a:t>
+              <a:t>11/7/23</a:t>
             </a:fld>
             <a:endParaRPr lang="en-US"/>
           </a:p>
@@ -866,7 +868,7 @@
           <a:p>
             <a:fld id="{94AABED6-7D93-C14E-8706-1488B7BD9B1F}" type="datetimeFigureOut">
               <a:rPr lang="en-US" smtClean="0"/>
-              <a:t>10/20/23</a:t>
+              <a:t>11/7/23</a:t>
             </a:fld>
             <a:endParaRPr lang="en-US"/>
           </a:p>
@@ -1141,7 +1143,7 @@
           <a:p>
             <a:fld id="{94AABED6-7D93-C14E-8706-1488B7BD9B1F}" type="datetimeFigureOut">
               <a:rPr lang="en-US" smtClean="0"/>
-              <a:t>10/20/23</a:t>
+              <a:t>11/7/23</a:t>
             </a:fld>
             <a:endParaRPr lang="en-US"/>
           </a:p>
@@ -1406,7 +1408,7 @@
           <a:p>
             <a:fld id="{94AABED6-7D93-C14E-8706-1488B7BD9B1F}" type="datetimeFigureOut">
               <a:rPr lang="en-US" smtClean="0"/>
-              <a:t>10/20/23</a:t>
+              <a:t>11/7/23</a:t>
             </a:fld>
             <a:endParaRPr lang="en-US"/>
           </a:p>
@@ -1818,7 +1820,7 @@
           <a:p>
             <a:fld id="{94AABED6-7D93-C14E-8706-1488B7BD9B1F}" type="datetimeFigureOut">
               <a:rPr lang="en-US" smtClean="0"/>
-              <a:t>10/20/23</a:t>
+              <a:t>11/7/23</a:t>
             </a:fld>
             <a:endParaRPr lang="en-US"/>
           </a:p>
@@ -1959,7 +1961,7 @@
           <a:p>
             <a:fld id="{94AABED6-7D93-C14E-8706-1488B7BD9B1F}" type="datetimeFigureOut">
               <a:rPr lang="en-US" smtClean="0"/>
-              <a:t>10/20/23</a:t>
+              <a:t>11/7/23</a:t>
             </a:fld>
             <a:endParaRPr lang="en-US"/>
           </a:p>
@@ -2072,7 +2074,7 @@
           <a:p>
             <a:fld id="{94AABED6-7D93-C14E-8706-1488B7BD9B1F}" type="datetimeFigureOut">
               <a:rPr lang="en-US" smtClean="0"/>
-              <a:t>10/20/23</a:t>
+              <a:t>11/7/23</a:t>
             </a:fld>
             <a:endParaRPr lang="en-US"/>
           </a:p>
@@ -2383,7 +2385,7 @@
           <a:p>
             <a:fld id="{94AABED6-7D93-C14E-8706-1488B7BD9B1F}" type="datetimeFigureOut">
               <a:rPr lang="en-US" smtClean="0"/>
-              <a:t>10/20/23</a:t>
+              <a:t>11/7/23</a:t>
             </a:fld>
             <a:endParaRPr lang="en-US"/>
           </a:p>
@@ -2671,7 +2673,7 @@
           <a:p>
             <a:fld id="{94AABED6-7D93-C14E-8706-1488B7BD9B1F}" type="datetimeFigureOut">
               <a:rPr lang="en-US" smtClean="0"/>
-              <a:t>10/20/23</a:t>
+              <a:t>11/7/23</a:t>
             </a:fld>
             <a:endParaRPr lang="en-US"/>
           </a:p>
@@ -2912,7 +2914,7 @@
           <a:p>
             <a:fld id="{94AABED6-7D93-C14E-8706-1488B7BD9B1F}" type="datetimeFigureOut">
               <a:rPr lang="en-US" smtClean="0"/>
-              <a:t>10/20/23</a:t>
+              <a:t>11/7/23</a:t>
             </a:fld>
             <a:endParaRPr lang="en-US"/>
           </a:p>
@@ -4746,7 +4748,7 @@
         </p:nvSpPr>
         <p:spPr>
           <a:xfrm>
-            <a:off x="3055073" y="3089007"/>
+            <a:off x="3438264" y="3223156"/>
             <a:ext cx="687966" cy="461665"/>
           </a:xfrm>
           <a:prstGeom prst="rect">
@@ -5000,8 +5002,8 @@
         </p:nvSpPr>
         <p:spPr>
           <a:xfrm>
-            <a:off x="1965607" y="3711166"/>
-            <a:ext cx="1536684" cy="2310916"/>
+            <a:off x="1965607" y="2820726"/>
+            <a:ext cx="1536684" cy="3201356"/>
           </a:xfrm>
           <a:prstGeom prst="rect">
             <a:avLst/>
@@ -5283,6 +5285,195 @@
           </a:p>
         </p:txBody>
       </p:sp>
+      <p:sp>
+        <p:nvSpPr>
+          <p:cNvPr id="22" name="Rounded Rectangle 21">
+            <a:extLst>
+              <a:ext uri="{FF2B5EF4-FFF2-40B4-BE49-F238E27FC236}">
+                <a16:creationId xmlns:a16="http://schemas.microsoft.com/office/drawing/2014/main" id="{EC7E7F21-1E5C-936D-B839-C8D4F0748D91}"/>
+              </a:ext>
+            </a:extLst>
+          </p:cNvPr>
+          <p:cNvSpPr/>
+          <p:nvPr/>
+        </p:nvSpPr>
+        <p:spPr>
+          <a:xfrm>
+            <a:off x="2323207" y="3042395"/>
+            <a:ext cx="863030" cy="472611"/>
+          </a:xfrm>
+          <a:prstGeom prst="roundRect">
+            <a:avLst/>
+          </a:prstGeom>
+        </p:spPr>
+        <p:style>
+          <a:lnRef idx="2">
+            <a:schemeClr val="accent1">
+              <a:shade val="15000"/>
+            </a:schemeClr>
+          </a:lnRef>
+          <a:fillRef idx="1">
+            <a:schemeClr val="accent1"/>
+          </a:fillRef>
+          <a:effectRef idx="0">
+            <a:schemeClr val="accent1"/>
+          </a:effectRef>
+          <a:fontRef idx="minor">
+            <a:schemeClr val="lt1"/>
+          </a:fontRef>
+        </p:style>
+        <p:txBody>
+          <a:bodyPr rtlCol="0" anchor="ctr"/>
+          <a:lstStyle/>
+          <a:p>
+            <a:pPr algn="ctr"/>
+            <a:endParaRPr lang="en-US" sz="1400" dirty="0"/>
+          </a:p>
+        </p:txBody>
+      </p:sp>
+      <p:sp>
+        <p:nvSpPr>
+          <p:cNvPr id="24" name="Rounded Rectangle 23">
+            <a:extLst>
+              <a:ext uri="{FF2B5EF4-FFF2-40B4-BE49-F238E27FC236}">
+                <a16:creationId xmlns:a16="http://schemas.microsoft.com/office/drawing/2014/main" id="{067F2730-AA82-5889-218E-6C4D6E9F181E}"/>
+              </a:ext>
+            </a:extLst>
+          </p:cNvPr>
+          <p:cNvSpPr/>
+          <p:nvPr/>
+        </p:nvSpPr>
+        <p:spPr>
+          <a:xfrm>
+            <a:off x="2242726" y="2973900"/>
+            <a:ext cx="863030" cy="472611"/>
+          </a:xfrm>
+          <a:prstGeom prst="roundRect">
+            <a:avLst/>
+          </a:prstGeom>
+        </p:spPr>
+        <p:style>
+          <a:lnRef idx="2">
+            <a:schemeClr val="accent1">
+              <a:shade val="15000"/>
+            </a:schemeClr>
+          </a:lnRef>
+          <a:fillRef idx="1">
+            <a:schemeClr val="accent1"/>
+          </a:fillRef>
+          <a:effectRef idx="0">
+            <a:schemeClr val="accent1"/>
+          </a:effectRef>
+          <a:fontRef idx="minor">
+            <a:schemeClr val="lt1"/>
+          </a:fontRef>
+        </p:style>
+        <p:txBody>
+          <a:bodyPr rtlCol="0" anchor="ctr"/>
+          <a:lstStyle/>
+          <a:p>
+            <a:pPr algn="ctr"/>
+            <a:endParaRPr lang="en-US" sz="1400" dirty="0"/>
+          </a:p>
+        </p:txBody>
+      </p:sp>
+      <p:sp>
+        <p:nvSpPr>
+          <p:cNvPr id="25" name="Rounded Rectangle 24">
+            <a:extLst>
+              <a:ext uri="{FF2B5EF4-FFF2-40B4-BE49-F238E27FC236}">
+                <a16:creationId xmlns:a16="http://schemas.microsoft.com/office/drawing/2014/main" id="{5D9386DB-C53C-5D11-C47E-0640CF7F9CA5}"/>
+              </a:ext>
+            </a:extLst>
+          </p:cNvPr>
+          <p:cNvSpPr/>
+          <p:nvPr/>
+        </p:nvSpPr>
+        <p:spPr>
+          <a:xfrm>
+            <a:off x="2162245" y="2905405"/>
+            <a:ext cx="863030" cy="472611"/>
+          </a:xfrm>
+          <a:prstGeom prst="roundRect">
+            <a:avLst/>
+          </a:prstGeom>
+        </p:spPr>
+        <p:style>
+          <a:lnRef idx="2">
+            <a:schemeClr val="accent1">
+              <a:shade val="15000"/>
+            </a:schemeClr>
+          </a:lnRef>
+          <a:fillRef idx="1">
+            <a:schemeClr val="accent1"/>
+          </a:fillRef>
+          <a:effectRef idx="0">
+            <a:schemeClr val="accent1"/>
+          </a:effectRef>
+          <a:fontRef idx="minor">
+            <a:schemeClr val="lt1"/>
+          </a:fontRef>
+        </p:style>
+        <p:txBody>
+          <a:bodyPr rtlCol="0" anchor="ctr"/>
+          <a:lstStyle/>
+          <a:p>
+            <a:pPr algn="ctr"/>
+            <a:r>
+              <a:rPr lang="en-US" sz="1050" dirty="0"/>
+              <a:t>Database downloads</a:t>
+            </a:r>
+          </a:p>
+        </p:txBody>
+      </p:sp>
+      <p:cxnSp>
+        <p:nvCxnSpPr>
+          <p:cNvPr id="26" name="Elbow Connector 25">
+            <a:extLst>
+              <a:ext uri="{FF2B5EF4-FFF2-40B4-BE49-F238E27FC236}">
+                <a16:creationId xmlns:a16="http://schemas.microsoft.com/office/drawing/2014/main" id="{8A6683E9-AFB8-FC49-A3E6-4ED5BD112EF9}"/>
+              </a:ext>
+            </a:extLst>
+          </p:cNvPr>
+          <p:cNvCxnSpPr>
+            <a:cxnSpLocks/>
+            <a:stCxn id="25" idx="3"/>
+            <a:endCxn id="10" idx="1"/>
+          </p:cNvCxnSpPr>
+          <p:nvPr/>
+        </p:nvCxnSpPr>
+        <p:spPr>
+          <a:xfrm>
+            <a:off x="3025275" y="3141711"/>
+            <a:ext cx="649445" cy="895563"/>
+          </a:xfrm>
+          <a:prstGeom prst="bentConnector3">
+            <a:avLst>
+              <a:gd name="adj1" fmla="val 53875"/>
+            </a:avLst>
+          </a:prstGeom>
+          <a:ln w="12700">
+            <a:solidFill>
+              <a:schemeClr val="tx1"/>
+            </a:solidFill>
+            <a:tailEnd type="triangle"/>
+          </a:ln>
+        </p:spPr>
+        <p:style>
+          <a:lnRef idx="1">
+            <a:schemeClr val="accent1"/>
+          </a:lnRef>
+          <a:fillRef idx="0">
+            <a:schemeClr val="accent1"/>
+          </a:fillRef>
+          <a:effectRef idx="0">
+            <a:schemeClr val="accent1"/>
+          </a:effectRef>
+          <a:fontRef idx="minor">
+            <a:schemeClr val="tx1"/>
+          </a:fontRef>
+        </p:style>
+      </p:cxnSp>
     </p:spTree>
     <p:extLst>
       <p:ext uri="{BB962C8B-B14F-4D97-AF65-F5344CB8AC3E}">
@@ -6593,6 +6784,709 @@
     <p:extLst>
       <p:ext uri="{BB962C8B-B14F-4D97-AF65-F5344CB8AC3E}">
         <p14:creationId xmlns:p14="http://schemas.microsoft.com/office/powerpoint/2010/main" val="1022538950"/>
+      </p:ext>
+    </p:extLst>
+  </p:cSld>
+  <p:clrMapOvr>
+    <a:masterClrMapping/>
+  </p:clrMapOvr>
+</p:sld>
+</file>
+
+<file path=ppt/slides/slide5.xml><?xml version="1.0" encoding="utf-8"?>
+<p:sld xmlns:a="http://schemas.openxmlformats.org/drawingml/2006/main" xmlns:r="http://schemas.openxmlformats.org/officeDocument/2006/relationships" xmlns:p="http://schemas.openxmlformats.org/presentationml/2006/main">
+  <p:cSld>
+    <p:spTree>
+      <p:nvGrpSpPr>
+        <p:cNvPr id="1" name=""/>
+        <p:cNvGrpSpPr/>
+        <p:nvPr/>
+      </p:nvGrpSpPr>
+      <p:grpSpPr>
+        <a:xfrm>
+          <a:off x="0" y="0"/>
+          <a:ext cx="0" cy="0"/>
+          <a:chOff x="0" y="0"/>
+          <a:chExt cx="0" cy="0"/>
+        </a:xfrm>
+      </p:grpSpPr>
+      <p:pic>
+        <p:nvPicPr>
+          <p:cNvPr id="12" name="Picture 11" descr="A screenshot of a computer&#10;&#10;Description automatically generated">
+            <a:extLst>
+              <a:ext uri="{FF2B5EF4-FFF2-40B4-BE49-F238E27FC236}">
+                <a16:creationId xmlns:a16="http://schemas.microsoft.com/office/drawing/2014/main" id="{5AF8EA39-D8E4-F455-12A6-0FE0DD8CE462}"/>
+              </a:ext>
+            </a:extLst>
+          </p:cNvPr>
+          <p:cNvPicPr>
+            <a:picLocks noChangeAspect="1"/>
+          </p:cNvPicPr>
+          <p:nvPr/>
+        </p:nvPicPr>
+        <p:blipFill>
+          <a:blip r:embed="rId2"/>
+          <a:stretch>
+            <a:fillRect/>
+          </a:stretch>
+        </p:blipFill>
+        <p:spPr>
+          <a:xfrm>
+            <a:off x="1238036" y="643462"/>
+            <a:ext cx="7772400" cy="3723054"/>
+          </a:xfrm>
+          <a:prstGeom prst="rect">
+            <a:avLst/>
+          </a:prstGeom>
+        </p:spPr>
+      </p:pic>
+      <p:sp>
+        <p:nvSpPr>
+          <p:cNvPr id="5" name="Rounded Rectangle 4">
+            <a:extLst>
+              <a:ext uri="{FF2B5EF4-FFF2-40B4-BE49-F238E27FC236}">
+                <a16:creationId xmlns:a16="http://schemas.microsoft.com/office/drawing/2014/main" id="{C39C343B-FF42-517C-8547-4EE49F91CC99}"/>
+              </a:ext>
+            </a:extLst>
+          </p:cNvPr>
+          <p:cNvSpPr/>
+          <p:nvPr/>
+        </p:nvSpPr>
+        <p:spPr>
+          <a:xfrm>
+            <a:off x="7916449" y="1290181"/>
+            <a:ext cx="1022985" cy="400833"/>
+          </a:xfrm>
+          <a:prstGeom prst="roundRect">
+            <a:avLst/>
+          </a:prstGeom>
+          <a:noFill/>
+          <a:ln w="28575">
+            <a:solidFill>
+              <a:srgbClr val="FF0000"/>
+            </a:solidFill>
+          </a:ln>
+        </p:spPr>
+        <p:style>
+          <a:lnRef idx="2">
+            <a:schemeClr val="accent1">
+              <a:shade val="15000"/>
+            </a:schemeClr>
+          </a:lnRef>
+          <a:fillRef idx="1">
+            <a:schemeClr val="accent1"/>
+          </a:fillRef>
+          <a:effectRef idx="0">
+            <a:schemeClr val="accent1"/>
+          </a:effectRef>
+          <a:fontRef idx="minor">
+            <a:schemeClr val="lt1"/>
+          </a:fontRef>
+        </p:style>
+        <p:txBody>
+          <a:bodyPr rtlCol="0" anchor="ctr"/>
+          <a:lstStyle/>
+          <a:p>
+            <a:pPr algn="ctr"/>
+            <a:endParaRPr lang="en-US"/>
+          </a:p>
+        </p:txBody>
+      </p:sp>
+      <p:sp>
+        <p:nvSpPr>
+          <p:cNvPr id="6" name="Rounded Rectangle 5">
+            <a:extLst>
+              <a:ext uri="{FF2B5EF4-FFF2-40B4-BE49-F238E27FC236}">
+                <a16:creationId xmlns:a16="http://schemas.microsoft.com/office/drawing/2014/main" id="{6BFD8B51-01D4-DAD3-63BA-B435637A528C}"/>
+              </a:ext>
+            </a:extLst>
+          </p:cNvPr>
+          <p:cNvSpPr/>
+          <p:nvPr/>
+        </p:nvSpPr>
+        <p:spPr>
+          <a:xfrm>
+            <a:off x="5510584" y="3939201"/>
+            <a:ext cx="1650504" cy="396493"/>
+          </a:xfrm>
+          <a:prstGeom prst="roundRect">
+            <a:avLst/>
+          </a:prstGeom>
+          <a:noFill/>
+          <a:ln w="28575">
+            <a:solidFill>
+              <a:srgbClr val="FF0000"/>
+            </a:solidFill>
+          </a:ln>
+        </p:spPr>
+        <p:style>
+          <a:lnRef idx="2">
+            <a:schemeClr val="accent1">
+              <a:shade val="15000"/>
+            </a:schemeClr>
+          </a:lnRef>
+          <a:fillRef idx="1">
+            <a:schemeClr val="accent1"/>
+          </a:fillRef>
+          <a:effectRef idx="0">
+            <a:schemeClr val="accent1"/>
+          </a:effectRef>
+          <a:fontRef idx="minor">
+            <a:schemeClr val="lt1"/>
+          </a:fontRef>
+        </p:style>
+        <p:txBody>
+          <a:bodyPr rtlCol="0" anchor="ctr"/>
+          <a:lstStyle/>
+          <a:p>
+            <a:pPr algn="ctr"/>
+            <a:endParaRPr lang="en-US"/>
+          </a:p>
+        </p:txBody>
+      </p:sp>
+      <p:sp>
+        <p:nvSpPr>
+          <p:cNvPr id="7" name="Oval 6">
+            <a:extLst>
+              <a:ext uri="{FF2B5EF4-FFF2-40B4-BE49-F238E27FC236}">
+                <a16:creationId xmlns:a16="http://schemas.microsoft.com/office/drawing/2014/main" id="{46E376A4-E6C3-4095-6EAE-2ADA231D6075}"/>
+              </a:ext>
+            </a:extLst>
+          </p:cNvPr>
+          <p:cNvSpPr/>
+          <p:nvPr/>
+        </p:nvSpPr>
+        <p:spPr>
+          <a:xfrm>
+            <a:off x="9041258" y="1296233"/>
+            <a:ext cx="308225" cy="308225"/>
+          </a:xfrm>
+          <a:prstGeom prst="ellipse">
+            <a:avLst/>
+          </a:prstGeom>
+          <a:noFill/>
+          <a:ln>
+            <a:solidFill>
+              <a:srgbClr val="FF0000"/>
+            </a:solidFill>
+          </a:ln>
+        </p:spPr>
+        <p:style>
+          <a:lnRef idx="2">
+            <a:schemeClr val="accent1">
+              <a:shade val="15000"/>
+            </a:schemeClr>
+          </a:lnRef>
+          <a:fillRef idx="1">
+            <a:schemeClr val="accent1"/>
+          </a:fillRef>
+          <a:effectRef idx="0">
+            <a:schemeClr val="accent1"/>
+          </a:effectRef>
+          <a:fontRef idx="minor">
+            <a:schemeClr val="lt1"/>
+          </a:fontRef>
+        </p:style>
+        <p:txBody>
+          <a:bodyPr rtlCol="0" anchor="ctr"/>
+          <a:lstStyle/>
+          <a:p>
+            <a:pPr algn="ctr"/>
+            <a:r>
+              <a:rPr lang="en-US" dirty="0">
+                <a:solidFill>
+                  <a:srgbClr val="FF0000"/>
+                </a:solidFill>
+              </a:rPr>
+              <a:t>1</a:t>
+            </a:r>
+          </a:p>
+        </p:txBody>
+      </p:sp>
+      <p:sp>
+        <p:nvSpPr>
+          <p:cNvPr id="8" name="Oval 7">
+            <a:extLst>
+              <a:ext uri="{FF2B5EF4-FFF2-40B4-BE49-F238E27FC236}">
+                <a16:creationId xmlns:a16="http://schemas.microsoft.com/office/drawing/2014/main" id="{20EDEE3C-62A9-A5FB-2762-79C89DA45F7D}"/>
+              </a:ext>
+            </a:extLst>
+          </p:cNvPr>
+          <p:cNvSpPr/>
+          <p:nvPr/>
+        </p:nvSpPr>
+        <p:spPr>
+          <a:xfrm>
+            <a:off x="7364858" y="3983334"/>
+            <a:ext cx="308225" cy="308225"/>
+          </a:xfrm>
+          <a:prstGeom prst="ellipse">
+            <a:avLst/>
+          </a:prstGeom>
+          <a:noFill/>
+          <a:ln>
+            <a:solidFill>
+              <a:srgbClr val="FF0000"/>
+            </a:solidFill>
+          </a:ln>
+        </p:spPr>
+        <p:style>
+          <a:lnRef idx="2">
+            <a:schemeClr val="accent1">
+              <a:shade val="15000"/>
+            </a:schemeClr>
+          </a:lnRef>
+          <a:fillRef idx="1">
+            <a:schemeClr val="accent1"/>
+          </a:fillRef>
+          <a:effectRef idx="0">
+            <a:schemeClr val="accent1"/>
+          </a:effectRef>
+          <a:fontRef idx="minor">
+            <a:schemeClr val="lt1"/>
+          </a:fontRef>
+        </p:style>
+        <p:txBody>
+          <a:bodyPr rtlCol="0" anchor="ctr"/>
+          <a:lstStyle/>
+          <a:p>
+            <a:pPr algn="ctr"/>
+            <a:r>
+              <a:rPr lang="en-US" dirty="0">
+                <a:solidFill>
+                  <a:srgbClr val="FF0000"/>
+                </a:solidFill>
+              </a:rPr>
+              <a:t>2</a:t>
+            </a:r>
+          </a:p>
+        </p:txBody>
+      </p:sp>
+    </p:spTree>
+    <p:extLst>
+      <p:ext uri="{BB962C8B-B14F-4D97-AF65-F5344CB8AC3E}">
+        <p14:creationId xmlns:p14="http://schemas.microsoft.com/office/powerpoint/2010/main" val="2745557875"/>
+      </p:ext>
+    </p:extLst>
+  </p:cSld>
+  <p:clrMapOvr>
+    <a:masterClrMapping/>
+  </p:clrMapOvr>
+</p:sld>
+</file>
+
+<file path=ppt/slides/slide6.xml><?xml version="1.0" encoding="utf-8"?>
+<p:sld xmlns:a="http://schemas.openxmlformats.org/drawingml/2006/main" xmlns:r="http://schemas.openxmlformats.org/officeDocument/2006/relationships" xmlns:p="http://schemas.openxmlformats.org/presentationml/2006/main">
+  <p:cSld>
+    <p:bg>
+      <p:bgPr>
+        <a:solidFill>
+          <a:schemeClr val="bg1"/>
+        </a:solidFill>
+        <a:effectLst/>
+      </p:bgPr>
+    </p:bg>
+    <p:spTree>
+      <p:nvGrpSpPr>
+        <p:cNvPr id="1" name=""/>
+        <p:cNvGrpSpPr/>
+        <p:nvPr/>
+      </p:nvGrpSpPr>
+      <p:grpSpPr>
+        <a:xfrm>
+          <a:off x="0" y="0"/>
+          <a:ext cx="0" cy="0"/>
+          <a:chOff x="0" y="0"/>
+          <a:chExt cx="0" cy="0"/>
+        </a:xfrm>
+      </p:grpSpPr>
+      <p:sp useBgFill="1">
+        <p:nvSpPr>
+          <p:cNvPr id="13" name="Rectangle 12">
+            <a:extLst>
+              <a:ext uri="{FF2B5EF4-FFF2-40B4-BE49-F238E27FC236}">
+                <a16:creationId xmlns:a16="http://schemas.microsoft.com/office/drawing/2014/main" id="{0671A8AE-40A1-4631-A6B8-581AFF065482}"/>
+              </a:ext>
+              <a:ext uri="{C183D7F6-B498-43B3-948B-1728B52AA6E4}">
+                <adec:decorative xmlns:adec="http://schemas.microsoft.com/office/drawing/2017/decorative" val="1"/>
+              </a:ext>
+            </a:extLst>
+          </p:cNvPr>
+          <p:cNvSpPr>
+            <a:spLocks noGrp="1" noRot="1" noChangeAspect="1" noMove="1" noResize="1" noEditPoints="1" noAdjustHandles="1" noChangeArrowheads="1" noChangeShapeType="1" noTextEdit="1"/>
+          </p:cNvSpPr>
+          <p:nvPr>
+            <p:extLst>
+              <p:ext uri="{386F3935-93C4-4BCD-93E2-E3B085C9AB24}">
+                <p16:designElem xmlns:p16="http://schemas.microsoft.com/office/powerpoint/2015/main" val="1"/>
+              </p:ext>
+            </p:extLst>
+          </p:nvPr>
+        </p:nvSpPr>
+        <p:spPr>
+          <a:xfrm>
+            <a:off x="0" y="0"/>
+            <a:ext cx="12192000" cy="6858000"/>
+          </a:xfrm>
+          <a:prstGeom prst="rect">
+            <a:avLst/>
+          </a:prstGeom>
+          <a:ln>
+            <a:noFill/>
+          </a:ln>
+        </p:spPr>
+        <p:style>
+          <a:lnRef idx="2">
+            <a:schemeClr val="accent1">
+              <a:shade val="50000"/>
+            </a:schemeClr>
+          </a:lnRef>
+          <a:fillRef idx="1">
+            <a:schemeClr val="accent1"/>
+          </a:fillRef>
+          <a:effectRef idx="0">
+            <a:schemeClr val="accent1"/>
+          </a:effectRef>
+          <a:fontRef idx="minor">
+            <a:schemeClr val="lt1"/>
+          </a:fontRef>
+        </p:style>
+        <p:txBody>
+          <a:bodyPr rtlCol="0" anchor="ctr"/>
+          <a:lstStyle/>
+          <a:p>
+            <a:pPr algn="ctr"/>
+            <a:endParaRPr lang="en-US"/>
+          </a:p>
+        </p:txBody>
+      </p:sp>
+      <p:pic>
+        <p:nvPicPr>
+          <p:cNvPr id="8" name="Picture 7" descr="A yellow and red sign with a exclamation mark&#10;&#10;Description automatically generated">
+            <a:extLst>
+              <a:ext uri="{FF2B5EF4-FFF2-40B4-BE49-F238E27FC236}">
+                <a16:creationId xmlns:a16="http://schemas.microsoft.com/office/drawing/2014/main" id="{898633E4-2614-CA69-C2DC-8C0402975CD8}"/>
+              </a:ext>
+            </a:extLst>
+          </p:cNvPr>
+          <p:cNvPicPr>
+            <a:picLocks noChangeAspect="1"/>
+          </p:cNvPicPr>
+          <p:nvPr/>
+        </p:nvPicPr>
+        <p:blipFill rotWithShape="1">
+          <a:blip r:embed="rId2"/>
+          <a:srcRect t="20379" r="9089" b="7698"/>
+          <a:stretch/>
+        </p:blipFill>
+        <p:spPr>
+          <a:xfrm>
+            <a:off x="3523488" y="10"/>
+            <a:ext cx="8668512" cy="6857990"/>
+          </a:xfrm>
+          <a:prstGeom prst="rect">
+            <a:avLst/>
+          </a:prstGeom>
+        </p:spPr>
+      </p:pic>
+      <p:sp>
+        <p:nvSpPr>
+          <p:cNvPr id="15" name="Rectangle 14">
+            <a:extLst>
+              <a:ext uri="{FF2B5EF4-FFF2-40B4-BE49-F238E27FC236}">
+                <a16:creationId xmlns:a16="http://schemas.microsoft.com/office/drawing/2014/main" id="{AB58EF07-17C2-48CF-ABB0-EEF1F17CB8F0}"/>
+              </a:ext>
+              <a:ext uri="{C183D7F6-B498-43B3-948B-1728B52AA6E4}">
+                <adec:decorative xmlns:adec="http://schemas.microsoft.com/office/drawing/2017/decorative" val="1"/>
+              </a:ext>
+            </a:extLst>
+          </p:cNvPr>
+          <p:cNvSpPr>
+            <a:spLocks noGrp="1" noRot="1" noChangeAspect="1" noMove="1" noResize="1" noEditPoints="1" noAdjustHandles="1" noChangeArrowheads="1" noChangeShapeType="1" noTextEdit="1"/>
+          </p:cNvSpPr>
+          <p:nvPr>
+            <p:extLst>
+              <p:ext uri="{386F3935-93C4-4BCD-93E2-E3B085C9AB24}">
+                <p16:designElem xmlns:p16="http://schemas.microsoft.com/office/powerpoint/2015/main" val="1"/>
+              </p:ext>
+            </p:extLst>
+          </p:nvPr>
+        </p:nvSpPr>
+        <p:spPr>
+          <a:xfrm>
+            <a:off x="3" y="0"/>
+            <a:ext cx="9339206" cy="6858000"/>
+          </a:xfrm>
+          <a:prstGeom prst="rect">
+            <a:avLst/>
+          </a:prstGeom>
+          <a:gradFill>
+            <a:gsLst>
+              <a:gs pos="58000">
+                <a:schemeClr val="tx1"/>
+              </a:gs>
+              <a:gs pos="33000">
+                <a:schemeClr val="tx1">
+                  <a:alpha val="64000"/>
+                </a:schemeClr>
+              </a:gs>
+              <a:gs pos="0">
+                <a:schemeClr val="tx1">
+                  <a:alpha val="0"/>
+                </a:schemeClr>
+              </a:gs>
+              <a:gs pos="100000">
+                <a:schemeClr val="tx1"/>
+              </a:gs>
+            </a:gsLst>
+            <a:lin ang="10800000" scaled="0"/>
+          </a:gradFill>
+          <a:ln>
+            <a:noFill/>
+          </a:ln>
+        </p:spPr>
+        <p:style>
+          <a:lnRef idx="2">
+            <a:schemeClr val="accent1">
+              <a:shade val="50000"/>
+            </a:schemeClr>
+          </a:lnRef>
+          <a:fillRef idx="1">
+            <a:schemeClr val="accent1"/>
+          </a:fillRef>
+          <a:effectRef idx="0">
+            <a:schemeClr val="accent1"/>
+          </a:effectRef>
+          <a:fontRef idx="minor">
+            <a:schemeClr val="lt1"/>
+          </a:fontRef>
+        </p:style>
+        <p:txBody>
+          <a:bodyPr rtlCol="0" anchor="ctr"/>
+          <a:lstStyle/>
+          <a:p>
+            <a:pPr algn="ctr"/>
+            <a:endParaRPr lang="en-US" dirty="0"/>
+          </a:p>
+        </p:txBody>
+      </p:sp>
+      <p:sp>
+        <p:nvSpPr>
+          <p:cNvPr id="6" name="TextBox 5">
+            <a:extLst>
+              <a:ext uri="{FF2B5EF4-FFF2-40B4-BE49-F238E27FC236}">
+                <a16:creationId xmlns:a16="http://schemas.microsoft.com/office/drawing/2014/main" id="{D1B1D1A5-227D-83FB-7601-F12A829BDA1F}"/>
+              </a:ext>
+            </a:extLst>
+          </p:cNvPr>
+          <p:cNvSpPr txBox="1"/>
+          <p:nvPr/>
+        </p:nvSpPr>
+        <p:spPr>
+          <a:xfrm>
+            <a:off x="477981" y="1122362"/>
+            <a:ext cx="5785254" cy="4833375"/>
+          </a:xfrm>
+          <a:prstGeom prst="rect">
+            <a:avLst/>
+          </a:prstGeom>
+        </p:spPr>
+        <p:txBody>
+          <a:bodyPr vert="horz" lIns="91440" tIns="45720" rIns="91440" bIns="45720" rtlCol="0" anchor="b">
+            <a:noAutofit/>
+          </a:bodyPr>
+          <a:lstStyle/>
+          <a:p>
+            <a:pPr>
+              <a:lnSpc>
+                <a:spcPct val="90000"/>
+              </a:lnSpc>
+              <a:spcBef>
+                <a:spcPct val="0"/>
+              </a:spcBef>
+              <a:spcAft>
+                <a:spcPts val="600"/>
+              </a:spcAft>
+            </a:pPr>
+            <a:r>
+              <a:rPr lang="en-US" sz="8000" cap="all" dirty="0">
+                <a:solidFill>
+                  <a:schemeClr val="bg1"/>
+                </a:solidFill>
+                <a:latin typeface="+mj-lt"/>
+                <a:ea typeface="+mj-ea"/>
+                <a:cs typeface="+mj-cs"/>
+              </a:rPr>
+              <a:t>Don’t Overuse Jupyter Notebooks</a:t>
+            </a:r>
+          </a:p>
+        </p:txBody>
+      </p:sp>
+      <p:sp>
+        <p:nvSpPr>
+          <p:cNvPr id="17" name="Rectangle 16">
+            <a:extLst>
+              <a:ext uri="{FF2B5EF4-FFF2-40B4-BE49-F238E27FC236}">
+                <a16:creationId xmlns:a16="http://schemas.microsoft.com/office/drawing/2014/main" id="{AF2F604E-43BE-4DC3-B983-E071523364F8}"/>
+              </a:ext>
+              <a:ext uri="{C183D7F6-B498-43B3-948B-1728B52AA6E4}">
+                <adec:decorative xmlns:adec="http://schemas.microsoft.com/office/drawing/2017/decorative" val="1"/>
+              </a:ext>
+            </a:extLst>
+          </p:cNvPr>
+          <p:cNvSpPr>
+            <a:spLocks noGrp="1" noRot="1" noChangeAspect="1" noMove="1" noResize="1" noEditPoints="1" noAdjustHandles="1" noChangeArrowheads="1" noChangeShapeType="1" noTextEdit="1"/>
+          </p:cNvSpPr>
+          <p:nvPr>
+            <p:extLst>
+              <p:ext uri="{386F3935-93C4-4BCD-93E2-E3B085C9AB24}">
+                <p16:designElem xmlns:p16="http://schemas.microsoft.com/office/powerpoint/2015/main" val="1"/>
+              </p:ext>
+            </p:extLst>
+          </p:nvPr>
+        </p:nvSpPr>
+        <p:spPr>
+          <a:xfrm rot="5400000">
+            <a:off x="759921" y="346791"/>
+            <a:ext cx="146304" cy="704088"/>
+          </a:xfrm>
+          <a:prstGeom prst="rect">
+            <a:avLst/>
+          </a:prstGeom>
+          <a:solidFill>
+            <a:schemeClr val="accent2"/>
+          </a:solidFill>
+          <a:ln>
+            <a:noFill/>
+          </a:ln>
+        </p:spPr>
+        <p:style>
+          <a:lnRef idx="2">
+            <a:schemeClr val="accent1">
+              <a:shade val="50000"/>
+            </a:schemeClr>
+          </a:lnRef>
+          <a:fillRef idx="1">
+            <a:schemeClr val="accent1"/>
+          </a:fillRef>
+          <a:effectRef idx="0">
+            <a:schemeClr val="accent1"/>
+          </a:effectRef>
+          <a:fontRef idx="minor">
+            <a:schemeClr val="lt1"/>
+          </a:fontRef>
+        </p:style>
+        <p:txBody>
+          <a:bodyPr rtlCol="0" anchor="ctr"/>
+          <a:lstStyle/>
+          <a:p>
+            <a:pPr algn="ctr"/>
+            <a:endParaRPr lang="en-US">
+              <a:solidFill>
+                <a:prstClr val="white"/>
+              </a:solidFill>
+              <a:latin typeface="Calibri" panose="020F0502020204030204"/>
+            </a:endParaRPr>
+          </a:p>
+        </p:txBody>
+      </p:sp>
+      <p:sp>
+        <p:nvSpPr>
+          <p:cNvPr id="19" name="Rectangle 18">
+            <a:extLst>
+              <a:ext uri="{FF2B5EF4-FFF2-40B4-BE49-F238E27FC236}">
+                <a16:creationId xmlns:a16="http://schemas.microsoft.com/office/drawing/2014/main" id="{08C9B587-E65E-4B52-B37C-ABEBB6E87928}"/>
+              </a:ext>
+              <a:ext uri="{C183D7F6-B498-43B3-948B-1728B52AA6E4}">
+                <adec:decorative xmlns:adec="http://schemas.microsoft.com/office/drawing/2017/decorative" val="1"/>
+              </a:ext>
+            </a:extLst>
+          </p:cNvPr>
+          <p:cNvSpPr>
+            <a:spLocks noGrp="1" noRot="1" noChangeAspect="1" noMove="1" noResize="1" noEditPoints="1" noAdjustHandles="1" noChangeArrowheads="1" noChangeShapeType="1" noTextEdit="1"/>
+          </p:cNvSpPr>
+          <p:nvPr>
+            <p:extLst>
+              <p:ext uri="{386F3935-93C4-4BCD-93E2-E3B085C9AB24}">
+                <p16:designElem xmlns:p16="http://schemas.microsoft.com/office/powerpoint/2015/main" val="1"/>
+              </p:ext>
+            </p:extLst>
+          </p:nvPr>
+        </p:nvSpPr>
+        <p:spPr>
+          <a:xfrm>
+            <a:off x="481029" y="4546920"/>
+            <a:ext cx="3977640" cy="18288"/>
+          </a:xfrm>
+          <a:prstGeom prst="rect">
+            <a:avLst/>
+          </a:prstGeom>
+          <a:solidFill>
+            <a:schemeClr val="tx1"/>
+          </a:solidFill>
+          <a:ln w="3175">
+            <a:noFill/>
+          </a:ln>
+          <a:effectLst/>
+        </p:spPr>
+        <p:style>
+          <a:lnRef idx="2">
+            <a:schemeClr val="accent1">
+              <a:shade val="50000"/>
+            </a:schemeClr>
+          </a:lnRef>
+          <a:fillRef idx="1">
+            <a:schemeClr val="accent1"/>
+          </a:fillRef>
+          <a:effectRef idx="0">
+            <a:schemeClr val="accent1"/>
+          </a:effectRef>
+          <a:fontRef idx="minor">
+            <a:schemeClr val="lt1"/>
+          </a:fontRef>
+        </p:style>
+        <p:txBody>
+          <a:bodyPr rtlCol="0" anchor="ctr"/>
+          <a:lstStyle/>
+          <a:p>
+            <a:pPr marL="0" marR="0" lvl="0" indent="0" algn="ctr" defTabSz="914400" rtl="0" eaLnBrk="1" fontAlgn="auto" latinLnBrk="0" hangingPunct="1">
+              <a:lnSpc>
+                <a:spcPct val="100000"/>
+              </a:lnSpc>
+              <a:spcBef>
+                <a:spcPts val="0"/>
+              </a:spcBef>
+              <a:spcAft>
+                <a:spcPts val="0"/>
+              </a:spcAft>
+              <a:buClrTx/>
+              <a:buSzTx/>
+              <a:buFontTx/>
+              <a:buNone/>
+              <a:tabLst/>
+              <a:defRPr/>
+            </a:pPr>
+            <a:endParaRPr kumimoji="0" lang="en-US" sz="1800" b="0" i="0" u="none" strike="noStrike" kern="1200" cap="none" spc="0" normalizeH="0" baseline="0" noProof="0">
+              <a:ln>
+                <a:noFill/>
+              </a:ln>
+              <a:solidFill>
+                <a:prstClr val="white"/>
+              </a:solidFill>
+              <a:effectLst/>
+              <a:uLnTx/>
+              <a:uFillTx/>
+              <a:latin typeface="Calibri" panose="020F0502020204030204"/>
+              <a:ea typeface="+mn-ea"/>
+              <a:cs typeface="+mn-cs"/>
+            </a:endParaRPr>
+          </a:p>
+        </p:txBody>
+      </p:sp>
+    </p:spTree>
+    <p:extLst>
+      <p:ext uri="{BB962C8B-B14F-4D97-AF65-F5344CB8AC3E}">
+        <p14:creationId xmlns:p14="http://schemas.microsoft.com/office/powerpoint/2010/main" val="152244541"/>
       </p:ext>
     </p:extLst>
   </p:cSld>
